--- a/Notes/7_quantum_oscillators.pptx
+++ b/Notes/7_quantum_oscillators.pptx
@@ -5,7 +5,7 @@
     <p:sldMasterId id="2147483648" r:id="rId1"/>
   </p:sldMasterIdLst>
   <p:notesMasterIdLst>
-    <p:notesMasterId r:id="rId28"/>
+    <p:notesMasterId r:id="rId35"/>
   </p:notesMasterIdLst>
   <p:sldIdLst>
     <p:sldId id="278" r:id="rId2"/>
@@ -31,9 +31,16 @@
     <p:sldId id="300" r:id="rId22"/>
     <p:sldId id="302" r:id="rId23"/>
     <p:sldId id="303" r:id="rId24"/>
-    <p:sldId id="304" r:id="rId25"/>
-    <p:sldId id="306" r:id="rId26"/>
-    <p:sldId id="305" r:id="rId27"/>
+    <p:sldId id="318" r:id="rId25"/>
+    <p:sldId id="322" r:id="rId26"/>
+    <p:sldId id="323" r:id="rId27"/>
+    <p:sldId id="324" r:id="rId28"/>
+    <p:sldId id="306" r:id="rId29"/>
+    <p:sldId id="305" r:id="rId30"/>
+    <p:sldId id="307" r:id="rId31"/>
+    <p:sldId id="311" r:id="rId32"/>
+    <p:sldId id="317" r:id="rId33"/>
+    <p:sldId id="320" r:id="rId34"/>
   </p:sldIdLst>
   <p:sldSz cx="9144000" cy="6858000" type="screen4x3"/>
   <p:notesSz cx="6858000" cy="9144000"/>
@@ -233,7 +240,7 @@
           <a:p>
             <a:fld id="{47B5508F-B9DA-3A4B-92BF-6A4138802024}" type="datetimeFigureOut">
               <a:rPr lang="en-US" smtClean="0"/>
-              <a:t>10/22/20</a:t>
+              <a:t>11/13/23</a:t>
             </a:fld>
             <a:endParaRPr lang="en-US"/>
           </a:p>
@@ -767,7 +774,7 @@
             <a:fld id="{B2F2B4BC-311C-574E-AB1F-5BCC7E00BDAB}" type="datetimeFigureOut">
               <a:rPr lang="en-US" smtClean="0"/>
               <a:pPr/>
-              <a:t>10/22/20</a:t>
+              <a:t>11/13/23</a:t>
             </a:fld>
             <a:endParaRPr lang="en-US"/>
           </a:p>
@@ -932,7 +939,7 @@
             <a:fld id="{B2F2B4BC-311C-574E-AB1F-5BCC7E00BDAB}" type="datetimeFigureOut">
               <a:rPr lang="en-US" smtClean="0"/>
               <a:pPr/>
-              <a:t>10/22/20</a:t>
+              <a:t>11/13/23</a:t>
             </a:fld>
             <a:endParaRPr lang="en-US"/>
           </a:p>
@@ -1107,7 +1114,7 @@
             <a:fld id="{B2F2B4BC-311C-574E-AB1F-5BCC7E00BDAB}" type="datetimeFigureOut">
               <a:rPr lang="en-US" smtClean="0"/>
               <a:pPr/>
-              <a:t>10/22/20</a:t>
+              <a:t>11/13/23</a:t>
             </a:fld>
             <a:endParaRPr lang="en-US"/>
           </a:p>
@@ -1272,7 +1279,7 @@
             <a:fld id="{B2F2B4BC-311C-574E-AB1F-5BCC7E00BDAB}" type="datetimeFigureOut">
               <a:rPr lang="en-US" smtClean="0"/>
               <a:pPr/>
-              <a:t>10/22/20</a:t>
+              <a:t>11/13/23</a:t>
             </a:fld>
             <a:endParaRPr lang="en-US"/>
           </a:p>
@@ -1514,7 +1521,7 @@
             <a:fld id="{B2F2B4BC-311C-574E-AB1F-5BCC7E00BDAB}" type="datetimeFigureOut">
               <a:rPr lang="en-US" smtClean="0"/>
               <a:pPr/>
-              <a:t>10/22/20</a:t>
+              <a:t>11/13/23</a:t>
             </a:fld>
             <a:endParaRPr lang="en-US"/>
           </a:p>
@@ -1796,7 +1803,7 @@
             <a:fld id="{B2F2B4BC-311C-574E-AB1F-5BCC7E00BDAB}" type="datetimeFigureOut">
               <a:rPr lang="en-US" smtClean="0"/>
               <a:pPr/>
-              <a:t>10/22/20</a:t>
+              <a:t>11/13/23</a:t>
             </a:fld>
             <a:endParaRPr lang="en-US"/>
           </a:p>
@@ -2212,7 +2219,7 @@
             <a:fld id="{B2F2B4BC-311C-574E-AB1F-5BCC7E00BDAB}" type="datetimeFigureOut">
               <a:rPr lang="en-US" smtClean="0"/>
               <a:pPr/>
-              <a:t>10/22/20</a:t>
+              <a:t>11/13/23</a:t>
             </a:fld>
             <a:endParaRPr lang="en-US"/>
           </a:p>
@@ -2326,7 +2333,7 @@
             <a:fld id="{B2F2B4BC-311C-574E-AB1F-5BCC7E00BDAB}" type="datetimeFigureOut">
               <a:rPr lang="en-US" smtClean="0"/>
               <a:pPr/>
-              <a:t>10/22/20</a:t>
+              <a:t>11/13/23</a:t>
             </a:fld>
             <a:endParaRPr lang="en-US"/>
           </a:p>
@@ -2418,7 +2425,7 @@
             <a:fld id="{B2F2B4BC-311C-574E-AB1F-5BCC7E00BDAB}" type="datetimeFigureOut">
               <a:rPr lang="en-US" smtClean="0"/>
               <a:pPr/>
-              <a:t>10/22/20</a:t>
+              <a:t>11/13/23</a:t>
             </a:fld>
             <a:endParaRPr lang="en-US"/>
           </a:p>
@@ -2690,7 +2697,7 @@
             <a:fld id="{B2F2B4BC-311C-574E-AB1F-5BCC7E00BDAB}" type="datetimeFigureOut">
               <a:rPr lang="en-US" smtClean="0"/>
               <a:pPr/>
-              <a:t>10/22/20</a:t>
+              <a:t>11/13/23</a:t>
             </a:fld>
             <a:endParaRPr lang="en-US"/>
           </a:p>
@@ -2939,7 +2946,7 @@
             <a:fld id="{B2F2B4BC-311C-574E-AB1F-5BCC7E00BDAB}" type="datetimeFigureOut">
               <a:rPr lang="en-US" smtClean="0"/>
               <a:pPr/>
-              <a:t>10/22/20</a:t>
+              <a:t>11/13/23</a:t>
             </a:fld>
             <a:endParaRPr lang="en-US"/>
           </a:p>
@@ -3147,7 +3154,7 @@
             <a:fld id="{B2F2B4BC-311C-574E-AB1F-5BCC7E00BDAB}" type="datetimeFigureOut">
               <a:rPr lang="en-US" smtClean="0"/>
               <a:pPr/>
-              <a:t>10/22/20</a:t>
+              <a:t>11/13/23</a:t>
             </a:fld>
             <a:endParaRPr lang="en-US"/>
           </a:p>
@@ -3527,7 +3534,7 @@
           <p:nvPr/>
         </p:nvPicPr>
         <p:blipFill>
-          <a:blip r:embed="rId4"/>
+          <a:blip r:embed="rId3"/>
           <a:srcRect/>
           <a:stretch>
             <a:fillRect/>
@@ -3559,7 +3566,7 @@
           <p:nvPr/>
         </p:nvPicPr>
         <p:blipFill>
-          <a:blip r:embed="rId4"/>
+          <a:blip r:embed="rId3"/>
           <a:srcRect/>
           <a:stretch>
             <a:fillRect/>
@@ -3647,12 +3654,12 @@
           <a:graphicData uri="http://schemas.openxmlformats.org/presentationml/2006/ole">
             <mc:AlternateContent xmlns:mc="http://schemas.openxmlformats.org/markup-compatibility/2006">
               <mc:Choice xmlns:v="urn:schemas-microsoft-com:vml" Requires="v">
-                <p:oleObj spid="_x0000_s45620" r:id="rId5" imgW="76320" imgH="181080" progId="">
+                <p:oleObj r:id="rId4" imgW="76320" imgH="181080" progId="">
                   <p:embed/>
                 </p:oleObj>
               </mc:Choice>
               <mc:Fallback>
-                <p:oleObj r:id="rId5" imgW="76320" imgH="181080" progId="">
+                <p:oleObj r:id="rId4" imgW="76320" imgH="181080" progId="">
                   <p:embed/>
                   <p:pic>
                     <p:nvPicPr>
@@ -3663,7 +3670,7 @@
                       <p:nvPr/>
                     </p:nvPicPr>
                     <p:blipFill>
-                      <a:blip r:embed="rId6">
+                      <a:blip r:embed="rId5">
                         <a:extLst>
                           <a:ext uri="{28A0092B-C50C-407E-A947-70E740481C1C}">
                             <a14:useLocalDpi xmlns:a14="http://schemas.microsoft.com/office/drawing/2010/main" val="0"/>
@@ -10916,33 +10923,15 @@
                                   </p:childTnLst>
                                 </p:cTn>
                               </p:par>
-                            </p:childTnLst>
-                          </p:cTn>
-                        </p:par>
-                      </p:childTnLst>
-                    </p:cTn>
-                  </p:par>
-                  <p:par>
-                    <p:cTn id="29" fill="hold">
-                      <p:stCondLst>
-                        <p:cond delay="indefinite"/>
-                      </p:stCondLst>
-                      <p:childTnLst>
-                        <p:par>
-                          <p:cTn id="30" fill="hold">
-                            <p:stCondLst>
-                              <p:cond delay="0"/>
-                            </p:stCondLst>
-                            <p:childTnLst>
                               <p:par>
-                                <p:cTn id="31" presetID="12" presetClass="entr" presetSubtype="4" fill="hold" grpId="0" nodeType="clickEffect">
+                                <p:cTn id="29" presetID="12" presetClass="entr" presetSubtype="4" fill="hold" grpId="0" nodeType="withEffect">
                                   <p:stCondLst>
                                     <p:cond delay="0"/>
                                   </p:stCondLst>
                                   <p:childTnLst>
                                     <p:set>
                                       <p:cBhvr>
-                                        <p:cTn id="32" dur="1" fill="hold">
+                                        <p:cTn id="30" dur="1" fill="hold">
                                           <p:stCondLst>
                                             <p:cond delay="0"/>
                                           </p:stCondLst>
@@ -10960,7 +10949,7 @@
                                     </p:set>
                                     <p:anim calcmode="lin" valueType="num">
                                       <p:cBhvr additive="base">
-                                        <p:cTn id="33" dur="500"/>
+                                        <p:cTn id="31" dur="500"/>
                                         <p:tgtEl>
                                           <p:spTgt spid="15"/>
                                         </p:tgtEl>
@@ -10983,7 +10972,7 @@
                                     </p:anim>
                                     <p:animEffect transition="in" filter="wipe(up)">
                                       <p:cBhvr>
-                                        <p:cTn id="34" dur="500"/>
+                                        <p:cTn id="32" dur="500"/>
                                         <p:tgtEl>
                                           <p:spTgt spid="15"/>
                                         </p:tgtEl>
@@ -11649,7 +11638,13 @@
       </p:grpSpPr>
       <p:pic>
         <p:nvPicPr>
-          <p:cNvPr id="4" name="Picture 2"/>
+          <p:cNvPr id="4" name="Picture 2">
+            <a:extLst>
+              <a:ext uri="{FF2B5EF4-FFF2-40B4-BE49-F238E27FC236}">
+                <a16:creationId xmlns:a16="http://schemas.microsoft.com/office/drawing/2014/main" id="{FD945717-02DB-5F08-2C35-4273577AC301}"/>
+              </a:ext>
+            </a:extLst>
+          </p:cNvPr>
           <p:cNvPicPr>
             <a:picLocks noChangeAspect="1" noChangeArrowheads="1"/>
           </p:cNvPicPr>
@@ -11681,7 +11676,13 @@
       </p:pic>
       <p:sp>
         <p:nvSpPr>
-          <p:cNvPr id="5" name="Rectangle 4"/>
+          <p:cNvPr id="5" name="Rectangle 4">
+            <a:extLst>
+              <a:ext uri="{FF2B5EF4-FFF2-40B4-BE49-F238E27FC236}">
+                <a16:creationId xmlns:a16="http://schemas.microsoft.com/office/drawing/2014/main" id="{3E7E72FC-1A62-FDC2-D7CA-1E3741DA31E6}"/>
+              </a:ext>
+            </a:extLst>
+          </p:cNvPr>
           <p:cNvSpPr>
             <a:spLocks noChangeArrowheads="1"/>
           </p:cNvSpPr>
@@ -11750,221 +11751,80 @@
           </a:p>
         </p:txBody>
       </p:sp>
+      <p:sp>
+        <p:nvSpPr>
+          <p:cNvPr id="6" name="Rectangle 5">
+            <a:extLst>
+              <a:ext uri="{FF2B5EF4-FFF2-40B4-BE49-F238E27FC236}">
+                <a16:creationId xmlns:a16="http://schemas.microsoft.com/office/drawing/2014/main" id="{8B66C15C-D869-4C0A-6CD2-ED6938083324}"/>
+              </a:ext>
+            </a:extLst>
+          </p:cNvPr>
+          <p:cNvSpPr/>
+          <p:nvPr/>
+        </p:nvSpPr>
+        <p:spPr>
+          <a:xfrm>
+            <a:off x="3522023" y="1267236"/>
+            <a:ext cx="2795958" cy="461665"/>
+          </a:xfrm>
+          <a:prstGeom prst="rect">
+            <a:avLst/>
+          </a:prstGeom>
+        </p:spPr>
+        <p:txBody>
+          <a:bodyPr wrap="none">
+            <a:spAutoFit/>
+          </a:bodyPr>
+          <a:lstStyle/>
+          <a:p>
+            <a:r>
+              <a:rPr lang="en-GB" sz="2400" dirty="0">
+                <a:solidFill>
+                  <a:srgbClr val="000000"/>
+                </a:solidFill>
+                <a:latin typeface="Times New Roman" pitchFamily="18" charset="0"/>
+              </a:rPr>
+              <a:t>Second Excited State</a:t>
+            </a:r>
+            <a:endParaRPr lang="en-US" sz="2400" dirty="0"/>
+          </a:p>
+        </p:txBody>
+      </p:sp>
       <p:pic>
         <p:nvPicPr>
-          <p:cNvPr id="6" name="Picture 5"/>
+          <p:cNvPr id="7" name="Picture 6">
+            <a:extLst>
+              <a:ext uri="{FF2B5EF4-FFF2-40B4-BE49-F238E27FC236}">
+                <a16:creationId xmlns:a16="http://schemas.microsoft.com/office/drawing/2014/main" id="{2A091DE1-E936-CDB8-2DB3-839BC446E6ED}"/>
+              </a:ext>
+            </a:extLst>
+          </p:cNvPr>
           <p:cNvPicPr>
             <a:picLocks noChangeAspect="1"/>
           </p:cNvPicPr>
           <p:nvPr/>
         </p:nvPicPr>
-        <p:blipFill rotWithShape="1">
+        <p:blipFill>
           <a:blip r:embed="rId3"/>
-          <a:srcRect l="16023" t="29597" r="7806" b="23525"/>
-          <a:stretch/>
+          <a:stretch>
+            <a:fillRect/>
+          </a:stretch>
         </p:blipFill>
         <p:spPr>
           <a:xfrm>
-            <a:off x="103718" y="1243542"/>
-            <a:ext cx="5828632" cy="5021057"/>
+            <a:off x="1902960" y="1941565"/>
+            <a:ext cx="5338079" cy="4654865"/>
           </a:xfrm>
           <a:prstGeom prst="rect">
             <a:avLst/>
           </a:prstGeom>
         </p:spPr>
       </p:pic>
-      <p:sp>
-        <p:nvSpPr>
-          <p:cNvPr id="2" name="TextBox 1"/>
-          <p:cNvSpPr txBox="1"/>
-          <p:nvPr/>
-        </p:nvSpPr>
-        <p:spPr>
-          <a:xfrm>
-            <a:off x="6231248" y="1862207"/>
-            <a:ext cx="2864071" cy="3108544"/>
-          </a:xfrm>
-          <a:prstGeom prst="rect">
-            <a:avLst/>
-          </a:prstGeom>
-          <a:noFill/>
-        </p:spPr>
-        <p:txBody>
-          <a:bodyPr wrap="square" rtlCol="0">
-            <a:spAutoFit/>
-          </a:bodyPr>
-          <a:lstStyle/>
-          <a:p>
-            <a:r>
-              <a:rPr lang="en-US" sz="2800" dirty="0">
-                <a:latin typeface="Times New Roman"/>
-                <a:cs typeface="Times New Roman"/>
-              </a:rPr>
-              <a:t>A energy increases toward the asymptote, eigenvalues of the </a:t>
-            </a:r>
-            <a:r>
-              <a:rPr lang="en-US" sz="2800" dirty="0" err="1">
-                <a:latin typeface="Times New Roman"/>
-                <a:cs typeface="Times New Roman"/>
-              </a:rPr>
-              <a:t>anharmonic</a:t>
-            </a:r>
-            <a:r>
-              <a:rPr lang="en-US" sz="2800" dirty="0">
-                <a:latin typeface="Times New Roman"/>
-                <a:cs typeface="Times New Roman"/>
-              </a:rPr>
-              <a:t> oscillator get closer and closer</a:t>
-            </a:r>
-          </a:p>
-        </p:txBody>
-      </p:sp>
-      <p:cxnSp>
-        <p:nvCxnSpPr>
-          <p:cNvPr id="7" name="Straight Connector 6"/>
-          <p:cNvCxnSpPr/>
-          <p:nvPr/>
-        </p:nvCxnSpPr>
-        <p:spPr>
-          <a:xfrm>
-            <a:off x="2332477" y="3293970"/>
-            <a:ext cx="3769886" cy="0"/>
-          </a:xfrm>
-          <a:prstGeom prst="line">
-            <a:avLst/>
-          </a:prstGeom>
-          <a:ln>
-            <a:prstDash val="dash"/>
-          </a:ln>
-        </p:spPr>
-        <p:style>
-          <a:lnRef idx="2">
-            <a:schemeClr val="accent1"/>
-          </a:lnRef>
-          <a:fillRef idx="0">
-            <a:schemeClr val="accent1"/>
-          </a:fillRef>
-          <a:effectRef idx="1">
-            <a:schemeClr val="accent1"/>
-          </a:effectRef>
-          <a:fontRef idx="minor">
-            <a:schemeClr val="tx1"/>
-          </a:fontRef>
-        </p:style>
-      </p:cxnSp>
-      <p:sp>
-        <p:nvSpPr>
-          <p:cNvPr id="8" name="Rectangle 7"/>
-          <p:cNvSpPr/>
-          <p:nvPr/>
-        </p:nvSpPr>
-        <p:spPr>
-          <a:xfrm>
-            <a:off x="3593248" y="2357352"/>
-            <a:ext cx="2339102" cy="400110"/>
-          </a:xfrm>
-          <a:prstGeom prst="rect">
-            <a:avLst/>
-          </a:prstGeom>
-        </p:spPr>
-        <p:txBody>
-          <a:bodyPr wrap="none">
-            <a:spAutoFit/>
-          </a:bodyPr>
-          <a:lstStyle/>
-          <a:p>
-            <a:r>
-              <a:rPr lang="en-GB" sz="1600" dirty="0">
-                <a:solidFill>
-                  <a:srgbClr val="000000"/>
-                </a:solidFill>
-                <a:latin typeface="Times New Roman" pitchFamily="18" charset="0"/>
-              </a:rPr>
-              <a:t> </a:t>
-            </a:r>
-            <a:r>
-              <a:rPr lang="en-GB" sz="2000" dirty="0">
-                <a:solidFill>
-                  <a:srgbClr val="000000"/>
-                </a:solidFill>
-                <a:latin typeface="Times New Roman" pitchFamily="18" charset="0"/>
-              </a:rPr>
-              <a:t>Energetic asymptote</a:t>
-            </a:r>
-            <a:endParaRPr lang="en-US" sz="2000" dirty="0"/>
-          </a:p>
-        </p:txBody>
-      </p:sp>
-      <p:cxnSp>
-        <p:nvCxnSpPr>
-          <p:cNvPr id="9" name="Straight Arrow Connector 8"/>
-          <p:cNvCxnSpPr/>
-          <p:nvPr/>
-        </p:nvCxnSpPr>
-        <p:spPr>
-          <a:xfrm flipH="1">
-            <a:off x="4444679" y="2717358"/>
-            <a:ext cx="347579" cy="536508"/>
-          </a:xfrm>
-          <a:prstGeom prst="straightConnector1">
-            <a:avLst/>
-          </a:prstGeom>
-          <a:ln>
-            <a:tailEnd type="arrow"/>
-          </a:ln>
-        </p:spPr>
-        <p:style>
-          <a:lnRef idx="2">
-            <a:schemeClr val="accent1"/>
-          </a:lnRef>
-          <a:fillRef idx="0">
-            <a:schemeClr val="accent1"/>
-          </a:fillRef>
-          <a:effectRef idx="1">
-            <a:schemeClr val="accent1"/>
-          </a:effectRef>
-          <a:fontRef idx="minor">
-            <a:schemeClr val="tx1"/>
-          </a:fontRef>
-        </p:style>
-      </p:cxnSp>
-      <p:cxnSp>
-        <p:nvCxnSpPr>
-          <p:cNvPr id="11" name="Straight Arrow Connector 10"/>
-          <p:cNvCxnSpPr/>
-          <p:nvPr/>
-        </p:nvCxnSpPr>
-        <p:spPr>
-          <a:xfrm flipV="1">
-            <a:off x="6102363" y="3529264"/>
-            <a:ext cx="0" cy="2232525"/>
-          </a:xfrm>
-          <a:prstGeom prst="straightConnector1">
-            <a:avLst/>
-          </a:prstGeom>
-          <a:ln>
-            <a:tailEnd type="arrow"/>
-          </a:ln>
-        </p:spPr>
-        <p:style>
-          <a:lnRef idx="2">
-            <a:schemeClr val="accent1"/>
-          </a:lnRef>
-          <a:fillRef idx="0">
-            <a:schemeClr val="accent1"/>
-          </a:fillRef>
-          <a:effectRef idx="1">
-            <a:schemeClr val="accent1"/>
-          </a:effectRef>
-          <a:fontRef idx="minor">
-            <a:schemeClr val="tx1"/>
-          </a:fontRef>
-        </p:style>
-      </p:cxnSp>
     </p:spTree>
     <p:extLst>
       <p:ext uri="{BB962C8B-B14F-4D97-AF65-F5344CB8AC3E}">
-        <p14:creationId xmlns:p14="http://schemas.microsoft.com/office/powerpoint/2010/main" val="1454163326"/>
+        <p14:creationId xmlns:p14="http://schemas.microsoft.com/office/powerpoint/2010/main" val="2722303475"/>
       </p:ext>
     </p:extLst>
   </p:cSld>
@@ -11975,6 +11835,651 @@
 </file>
 
 <file path=ppt/slides/slide25.xml><?xml version="1.0" encoding="utf-8"?>
+<p:sld xmlns:a="http://schemas.openxmlformats.org/drawingml/2006/main" xmlns:r="http://schemas.openxmlformats.org/officeDocument/2006/relationships" xmlns:p="http://schemas.openxmlformats.org/presentationml/2006/main">
+  <p:cSld>
+    <p:spTree>
+      <p:nvGrpSpPr>
+        <p:cNvPr id="1" name=""/>
+        <p:cNvGrpSpPr/>
+        <p:nvPr/>
+      </p:nvGrpSpPr>
+      <p:grpSpPr>
+        <a:xfrm>
+          <a:off x="0" y="0"/>
+          <a:ext cx="0" cy="0"/>
+          <a:chOff x="0" y="0"/>
+          <a:chExt cx="0" cy="0"/>
+        </a:xfrm>
+      </p:grpSpPr>
+      <p:pic>
+        <p:nvPicPr>
+          <p:cNvPr id="4" name="Picture 2">
+            <a:extLst>
+              <a:ext uri="{FF2B5EF4-FFF2-40B4-BE49-F238E27FC236}">
+                <a16:creationId xmlns:a16="http://schemas.microsoft.com/office/drawing/2014/main" id="{FD945717-02DB-5F08-2C35-4273577AC301}"/>
+              </a:ext>
+            </a:extLst>
+          </p:cNvPr>
+          <p:cNvPicPr>
+            <a:picLocks noChangeAspect="1" noChangeArrowheads="1"/>
+          </p:cNvPicPr>
+          <p:nvPr/>
+        </p:nvPicPr>
+        <p:blipFill>
+          <a:blip r:embed="rId2" cstate="print"/>
+          <a:srcRect/>
+          <a:stretch>
+            <a:fillRect/>
+          </a:stretch>
+        </p:blipFill>
+        <p:spPr bwMode="auto">
+          <a:xfrm>
+            <a:off x="484188" y="76200"/>
+            <a:ext cx="8202612" cy="239712"/>
+          </a:xfrm>
+          <a:prstGeom prst="rect">
+            <a:avLst/>
+          </a:prstGeom>
+          <a:noFill/>
+          <a:ln w="9525">
+            <a:noFill/>
+            <a:round/>
+            <a:headEnd/>
+            <a:tailEnd/>
+          </a:ln>
+        </p:spPr>
+      </p:pic>
+      <p:sp>
+        <p:nvSpPr>
+          <p:cNvPr id="5" name="Rectangle 4">
+            <a:extLst>
+              <a:ext uri="{FF2B5EF4-FFF2-40B4-BE49-F238E27FC236}">
+                <a16:creationId xmlns:a16="http://schemas.microsoft.com/office/drawing/2014/main" id="{3E7E72FC-1A62-FDC2-D7CA-1E3741DA31E6}"/>
+              </a:ext>
+            </a:extLst>
+          </p:cNvPr>
+          <p:cNvSpPr>
+            <a:spLocks noChangeArrowheads="1"/>
+          </p:cNvSpPr>
+          <p:nvPr/>
+        </p:nvSpPr>
+        <p:spPr bwMode="auto">
+          <a:xfrm>
+            <a:off x="103718" y="116417"/>
+            <a:ext cx="8991601" cy="1127125"/>
+          </a:xfrm>
+          <a:prstGeom prst="rect">
+            <a:avLst/>
+          </a:prstGeom>
+          <a:noFill/>
+          <a:ln w="9525">
+            <a:noFill/>
+            <a:round/>
+            <a:headEnd/>
+            <a:tailEnd/>
+          </a:ln>
+        </p:spPr>
+        <p:txBody>
+          <a:bodyPr lIns="0" tIns="0" rIns="0" bIns="0" anchor="ctr"/>
+          <a:lstStyle/>
+          <a:p>
+            <a:pPr algn="ctr">
+              <a:buClr>
+                <a:srgbClr val="000000"/>
+              </a:buClr>
+              <a:buSzPct val="100000"/>
+              <a:buFont typeface="Times New Roman" pitchFamily="18" charset="0"/>
+              <a:buNone/>
+              <a:tabLst>
+                <a:tab pos="0" algn="l"/>
+                <a:tab pos="914400" algn="l"/>
+                <a:tab pos="1828800" algn="l"/>
+                <a:tab pos="2743200" algn="l"/>
+                <a:tab pos="3657600" algn="l"/>
+                <a:tab pos="4572000" algn="l"/>
+                <a:tab pos="5486400" algn="l"/>
+                <a:tab pos="6400800" algn="l"/>
+                <a:tab pos="7315200" algn="l"/>
+                <a:tab pos="8229600" algn="l"/>
+                <a:tab pos="9144000" algn="l"/>
+                <a:tab pos="10058400" algn="l"/>
+              </a:tabLst>
+            </a:pPr>
+            <a:r>
+              <a:rPr lang="en-GB" sz="4000" dirty="0" err="1">
+                <a:solidFill>
+                  <a:srgbClr val="000000"/>
+                </a:solidFill>
+                <a:latin typeface="Times New Roman" pitchFamily="18" charset="0"/>
+              </a:rPr>
+              <a:t>Anharmonic</a:t>
+            </a:r>
+            <a:r>
+              <a:rPr lang="en-GB" sz="4000" dirty="0">
+                <a:solidFill>
+                  <a:srgbClr val="000000"/>
+                </a:solidFill>
+                <a:latin typeface="Times New Roman" pitchFamily="18" charset="0"/>
+              </a:rPr>
+              <a:t> Oscillator</a:t>
+            </a:r>
+          </a:p>
+        </p:txBody>
+      </p:sp>
+      <p:sp>
+        <p:nvSpPr>
+          <p:cNvPr id="6" name="Rectangle 5">
+            <a:extLst>
+              <a:ext uri="{FF2B5EF4-FFF2-40B4-BE49-F238E27FC236}">
+                <a16:creationId xmlns:a16="http://schemas.microsoft.com/office/drawing/2014/main" id="{8B66C15C-D869-4C0A-6CD2-ED6938083324}"/>
+              </a:ext>
+            </a:extLst>
+          </p:cNvPr>
+          <p:cNvSpPr/>
+          <p:nvPr/>
+        </p:nvSpPr>
+        <p:spPr>
+          <a:xfrm>
+            <a:off x="3522023" y="1267236"/>
+            <a:ext cx="2573140" cy="461665"/>
+          </a:xfrm>
+          <a:prstGeom prst="rect">
+            <a:avLst/>
+          </a:prstGeom>
+        </p:spPr>
+        <p:txBody>
+          <a:bodyPr wrap="none">
+            <a:spAutoFit/>
+          </a:bodyPr>
+          <a:lstStyle/>
+          <a:p>
+            <a:r>
+              <a:rPr lang="en-GB" sz="2400" dirty="0">
+                <a:solidFill>
+                  <a:srgbClr val="000000"/>
+                </a:solidFill>
+                <a:latin typeface="Times New Roman" pitchFamily="18" charset="0"/>
+              </a:rPr>
+              <a:t>Third Excited State</a:t>
+            </a:r>
+            <a:endParaRPr lang="en-US" sz="2400" dirty="0"/>
+          </a:p>
+        </p:txBody>
+      </p:sp>
+      <p:pic>
+        <p:nvPicPr>
+          <p:cNvPr id="3" name="Picture 2">
+            <a:extLst>
+              <a:ext uri="{FF2B5EF4-FFF2-40B4-BE49-F238E27FC236}">
+                <a16:creationId xmlns:a16="http://schemas.microsoft.com/office/drawing/2014/main" id="{C0CD0485-D601-68DF-605F-D9C50505D7A0}"/>
+              </a:ext>
+            </a:extLst>
+          </p:cNvPr>
+          <p:cNvPicPr>
+            <a:picLocks noChangeAspect="1"/>
+          </p:cNvPicPr>
+          <p:nvPr/>
+        </p:nvPicPr>
+        <p:blipFill>
+          <a:blip r:embed="rId3"/>
+          <a:stretch>
+            <a:fillRect/>
+          </a:stretch>
+        </p:blipFill>
+        <p:spPr>
+          <a:xfrm>
+            <a:off x="1867792" y="1992672"/>
+            <a:ext cx="5338080" cy="4479508"/>
+          </a:xfrm>
+          <a:prstGeom prst="rect">
+            <a:avLst/>
+          </a:prstGeom>
+        </p:spPr>
+      </p:pic>
+    </p:spTree>
+    <p:extLst>
+      <p:ext uri="{BB962C8B-B14F-4D97-AF65-F5344CB8AC3E}">
+        <p14:creationId xmlns:p14="http://schemas.microsoft.com/office/powerpoint/2010/main" val="1070408440"/>
+      </p:ext>
+    </p:extLst>
+  </p:cSld>
+  <p:clrMapOvr>
+    <a:masterClrMapping/>
+  </p:clrMapOvr>
+</p:sld>
+</file>
+
+<file path=ppt/slides/slide26.xml><?xml version="1.0" encoding="utf-8"?>
+<p:sld xmlns:a="http://schemas.openxmlformats.org/drawingml/2006/main" xmlns:r="http://schemas.openxmlformats.org/officeDocument/2006/relationships" xmlns:p="http://schemas.openxmlformats.org/presentationml/2006/main">
+  <p:cSld>
+    <p:spTree>
+      <p:nvGrpSpPr>
+        <p:cNvPr id="1" name=""/>
+        <p:cNvGrpSpPr/>
+        <p:nvPr/>
+      </p:nvGrpSpPr>
+      <p:grpSpPr>
+        <a:xfrm>
+          <a:off x="0" y="0"/>
+          <a:ext cx="0" cy="0"/>
+          <a:chOff x="0" y="0"/>
+          <a:chExt cx="0" cy="0"/>
+        </a:xfrm>
+      </p:grpSpPr>
+      <p:pic>
+        <p:nvPicPr>
+          <p:cNvPr id="4" name="Picture 2">
+            <a:extLst>
+              <a:ext uri="{FF2B5EF4-FFF2-40B4-BE49-F238E27FC236}">
+                <a16:creationId xmlns:a16="http://schemas.microsoft.com/office/drawing/2014/main" id="{FD945717-02DB-5F08-2C35-4273577AC301}"/>
+              </a:ext>
+            </a:extLst>
+          </p:cNvPr>
+          <p:cNvPicPr>
+            <a:picLocks noChangeAspect="1" noChangeArrowheads="1"/>
+          </p:cNvPicPr>
+          <p:nvPr/>
+        </p:nvPicPr>
+        <p:blipFill>
+          <a:blip r:embed="rId2" cstate="print"/>
+          <a:srcRect/>
+          <a:stretch>
+            <a:fillRect/>
+          </a:stretch>
+        </p:blipFill>
+        <p:spPr bwMode="auto">
+          <a:xfrm>
+            <a:off x="484188" y="76200"/>
+            <a:ext cx="8202612" cy="239712"/>
+          </a:xfrm>
+          <a:prstGeom prst="rect">
+            <a:avLst/>
+          </a:prstGeom>
+          <a:noFill/>
+          <a:ln w="9525">
+            <a:noFill/>
+            <a:round/>
+            <a:headEnd/>
+            <a:tailEnd/>
+          </a:ln>
+        </p:spPr>
+      </p:pic>
+      <p:sp>
+        <p:nvSpPr>
+          <p:cNvPr id="5" name="Rectangle 4">
+            <a:extLst>
+              <a:ext uri="{FF2B5EF4-FFF2-40B4-BE49-F238E27FC236}">
+                <a16:creationId xmlns:a16="http://schemas.microsoft.com/office/drawing/2014/main" id="{3E7E72FC-1A62-FDC2-D7CA-1E3741DA31E6}"/>
+              </a:ext>
+            </a:extLst>
+          </p:cNvPr>
+          <p:cNvSpPr>
+            <a:spLocks noChangeArrowheads="1"/>
+          </p:cNvSpPr>
+          <p:nvPr/>
+        </p:nvSpPr>
+        <p:spPr bwMode="auto">
+          <a:xfrm>
+            <a:off x="103718" y="116417"/>
+            <a:ext cx="8991601" cy="1127125"/>
+          </a:xfrm>
+          <a:prstGeom prst="rect">
+            <a:avLst/>
+          </a:prstGeom>
+          <a:noFill/>
+          <a:ln w="9525">
+            <a:noFill/>
+            <a:round/>
+            <a:headEnd/>
+            <a:tailEnd/>
+          </a:ln>
+        </p:spPr>
+        <p:txBody>
+          <a:bodyPr lIns="0" tIns="0" rIns="0" bIns="0" anchor="ctr"/>
+          <a:lstStyle/>
+          <a:p>
+            <a:pPr algn="ctr">
+              <a:buClr>
+                <a:srgbClr val="000000"/>
+              </a:buClr>
+              <a:buSzPct val="100000"/>
+              <a:buFont typeface="Times New Roman" pitchFamily="18" charset="0"/>
+              <a:buNone/>
+              <a:tabLst>
+                <a:tab pos="0" algn="l"/>
+                <a:tab pos="914400" algn="l"/>
+                <a:tab pos="1828800" algn="l"/>
+                <a:tab pos="2743200" algn="l"/>
+                <a:tab pos="3657600" algn="l"/>
+                <a:tab pos="4572000" algn="l"/>
+                <a:tab pos="5486400" algn="l"/>
+                <a:tab pos="6400800" algn="l"/>
+                <a:tab pos="7315200" algn="l"/>
+                <a:tab pos="8229600" algn="l"/>
+                <a:tab pos="9144000" algn="l"/>
+                <a:tab pos="10058400" algn="l"/>
+              </a:tabLst>
+            </a:pPr>
+            <a:r>
+              <a:rPr lang="en-GB" sz="4000" dirty="0" err="1">
+                <a:solidFill>
+                  <a:srgbClr val="000000"/>
+                </a:solidFill>
+                <a:latin typeface="Times New Roman" pitchFamily="18" charset="0"/>
+              </a:rPr>
+              <a:t>Anharmonic</a:t>
+            </a:r>
+            <a:r>
+              <a:rPr lang="en-GB" sz="4000" dirty="0">
+                <a:solidFill>
+                  <a:srgbClr val="000000"/>
+                </a:solidFill>
+                <a:latin typeface="Times New Roman" pitchFamily="18" charset="0"/>
+              </a:rPr>
+              <a:t> Oscillator</a:t>
+            </a:r>
+          </a:p>
+        </p:txBody>
+      </p:sp>
+      <p:sp>
+        <p:nvSpPr>
+          <p:cNvPr id="6" name="Rectangle 5">
+            <a:extLst>
+              <a:ext uri="{FF2B5EF4-FFF2-40B4-BE49-F238E27FC236}">
+                <a16:creationId xmlns:a16="http://schemas.microsoft.com/office/drawing/2014/main" id="{8B66C15C-D869-4C0A-6CD2-ED6938083324}"/>
+              </a:ext>
+            </a:extLst>
+          </p:cNvPr>
+          <p:cNvSpPr/>
+          <p:nvPr/>
+        </p:nvSpPr>
+        <p:spPr>
+          <a:xfrm>
+            <a:off x="3522023" y="1267236"/>
+            <a:ext cx="2710999" cy="461665"/>
+          </a:xfrm>
+          <a:prstGeom prst="rect">
+            <a:avLst/>
+          </a:prstGeom>
+        </p:spPr>
+        <p:txBody>
+          <a:bodyPr wrap="none">
+            <a:spAutoFit/>
+          </a:bodyPr>
+          <a:lstStyle/>
+          <a:p>
+            <a:r>
+              <a:rPr lang="en-GB" sz="2400" dirty="0">
+                <a:solidFill>
+                  <a:srgbClr val="000000"/>
+                </a:solidFill>
+                <a:latin typeface="Times New Roman" pitchFamily="18" charset="0"/>
+              </a:rPr>
+              <a:t>Fourth Excited State</a:t>
+            </a:r>
+            <a:endParaRPr lang="en-US" sz="2400" dirty="0"/>
+          </a:p>
+        </p:txBody>
+      </p:sp>
+      <p:pic>
+        <p:nvPicPr>
+          <p:cNvPr id="3" name="Picture 2">
+            <a:extLst>
+              <a:ext uri="{FF2B5EF4-FFF2-40B4-BE49-F238E27FC236}">
+                <a16:creationId xmlns:a16="http://schemas.microsoft.com/office/drawing/2014/main" id="{AF046F84-9D55-32E0-25B4-B0ACD948737A}"/>
+              </a:ext>
+            </a:extLst>
+          </p:cNvPr>
+          <p:cNvPicPr>
+            <a:picLocks noChangeAspect="1"/>
+          </p:cNvPicPr>
+          <p:nvPr/>
+        </p:nvPicPr>
+        <p:blipFill>
+          <a:blip r:embed="rId3"/>
+          <a:stretch>
+            <a:fillRect/>
+          </a:stretch>
+        </p:blipFill>
+        <p:spPr>
+          <a:xfrm>
+            <a:off x="1867792" y="2064066"/>
+            <a:ext cx="5338080" cy="4479508"/>
+          </a:xfrm>
+          <a:prstGeom prst="rect">
+            <a:avLst/>
+          </a:prstGeom>
+        </p:spPr>
+      </p:pic>
+    </p:spTree>
+    <p:extLst>
+      <p:ext uri="{BB962C8B-B14F-4D97-AF65-F5344CB8AC3E}">
+        <p14:creationId xmlns:p14="http://schemas.microsoft.com/office/powerpoint/2010/main" val="1032936976"/>
+      </p:ext>
+    </p:extLst>
+  </p:cSld>
+  <p:clrMapOvr>
+    <a:masterClrMapping/>
+  </p:clrMapOvr>
+</p:sld>
+</file>
+
+<file path=ppt/slides/slide27.xml><?xml version="1.0" encoding="utf-8"?>
+<p:sld xmlns:a="http://schemas.openxmlformats.org/drawingml/2006/main" xmlns:r="http://schemas.openxmlformats.org/officeDocument/2006/relationships" xmlns:p="http://schemas.openxmlformats.org/presentationml/2006/main">
+  <p:cSld>
+    <p:spTree>
+      <p:nvGrpSpPr>
+        <p:cNvPr id="1" name=""/>
+        <p:cNvGrpSpPr/>
+        <p:nvPr/>
+      </p:nvGrpSpPr>
+      <p:grpSpPr>
+        <a:xfrm>
+          <a:off x="0" y="0"/>
+          <a:ext cx="0" cy="0"/>
+          <a:chOff x="0" y="0"/>
+          <a:chExt cx="0" cy="0"/>
+        </a:xfrm>
+      </p:grpSpPr>
+      <p:pic>
+        <p:nvPicPr>
+          <p:cNvPr id="4" name="Picture 2">
+            <a:extLst>
+              <a:ext uri="{FF2B5EF4-FFF2-40B4-BE49-F238E27FC236}">
+                <a16:creationId xmlns:a16="http://schemas.microsoft.com/office/drawing/2014/main" id="{FD945717-02DB-5F08-2C35-4273577AC301}"/>
+              </a:ext>
+            </a:extLst>
+          </p:cNvPr>
+          <p:cNvPicPr>
+            <a:picLocks noChangeAspect="1" noChangeArrowheads="1"/>
+          </p:cNvPicPr>
+          <p:nvPr/>
+        </p:nvPicPr>
+        <p:blipFill>
+          <a:blip r:embed="rId2" cstate="print"/>
+          <a:srcRect/>
+          <a:stretch>
+            <a:fillRect/>
+          </a:stretch>
+        </p:blipFill>
+        <p:spPr bwMode="auto">
+          <a:xfrm>
+            <a:off x="484188" y="76200"/>
+            <a:ext cx="8202612" cy="239712"/>
+          </a:xfrm>
+          <a:prstGeom prst="rect">
+            <a:avLst/>
+          </a:prstGeom>
+          <a:noFill/>
+          <a:ln w="9525">
+            <a:noFill/>
+            <a:round/>
+            <a:headEnd/>
+            <a:tailEnd/>
+          </a:ln>
+        </p:spPr>
+      </p:pic>
+      <p:sp>
+        <p:nvSpPr>
+          <p:cNvPr id="5" name="Rectangle 4">
+            <a:extLst>
+              <a:ext uri="{FF2B5EF4-FFF2-40B4-BE49-F238E27FC236}">
+                <a16:creationId xmlns:a16="http://schemas.microsoft.com/office/drawing/2014/main" id="{3E7E72FC-1A62-FDC2-D7CA-1E3741DA31E6}"/>
+              </a:ext>
+            </a:extLst>
+          </p:cNvPr>
+          <p:cNvSpPr>
+            <a:spLocks noChangeArrowheads="1"/>
+          </p:cNvSpPr>
+          <p:nvPr/>
+        </p:nvSpPr>
+        <p:spPr bwMode="auto">
+          <a:xfrm>
+            <a:off x="103718" y="116417"/>
+            <a:ext cx="8991601" cy="1127125"/>
+          </a:xfrm>
+          <a:prstGeom prst="rect">
+            <a:avLst/>
+          </a:prstGeom>
+          <a:noFill/>
+          <a:ln w="9525">
+            <a:noFill/>
+            <a:round/>
+            <a:headEnd/>
+            <a:tailEnd/>
+          </a:ln>
+        </p:spPr>
+        <p:txBody>
+          <a:bodyPr lIns="0" tIns="0" rIns="0" bIns="0" anchor="ctr"/>
+          <a:lstStyle/>
+          <a:p>
+            <a:pPr algn="ctr">
+              <a:buClr>
+                <a:srgbClr val="000000"/>
+              </a:buClr>
+              <a:buSzPct val="100000"/>
+              <a:buFont typeface="Times New Roman" pitchFamily="18" charset="0"/>
+              <a:buNone/>
+              <a:tabLst>
+                <a:tab pos="0" algn="l"/>
+                <a:tab pos="914400" algn="l"/>
+                <a:tab pos="1828800" algn="l"/>
+                <a:tab pos="2743200" algn="l"/>
+                <a:tab pos="3657600" algn="l"/>
+                <a:tab pos="4572000" algn="l"/>
+                <a:tab pos="5486400" algn="l"/>
+                <a:tab pos="6400800" algn="l"/>
+                <a:tab pos="7315200" algn="l"/>
+                <a:tab pos="8229600" algn="l"/>
+                <a:tab pos="9144000" algn="l"/>
+                <a:tab pos="10058400" algn="l"/>
+              </a:tabLst>
+            </a:pPr>
+            <a:r>
+              <a:rPr lang="en-GB" sz="4000" dirty="0" err="1">
+                <a:solidFill>
+                  <a:srgbClr val="000000"/>
+                </a:solidFill>
+                <a:latin typeface="Times New Roman" pitchFamily="18" charset="0"/>
+              </a:rPr>
+              <a:t>Anharmonic</a:t>
+            </a:r>
+            <a:r>
+              <a:rPr lang="en-GB" sz="4000" dirty="0">
+                <a:solidFill>
+                  <a:srgbClr val="000000"/>
+                </a:solidFill>
+                <a:latin typeface="Times New Roman" pitchFamily="18" charset="0"/>
+              </a:rPr>
+              <a:t> Oscillator</a:t>
+            </a:r>
+          </a:p>
+        </p:txBody>
+      </p:sp>
+      <p:sp>
+        <p:nvSpPr>
+          <p:cNvPr id="6" name="Rectangle 5">
+            <a:extLst>
+              <a:ext uri="{FF2B5EF4-FFF2-40B4-BE49-F238E27FC236}">
+                <a16:creationId xmlns:a16="http://schemas.microsoft.com/office/drawing/2014/main" id="{8B66C15C-D869-4C0A-6CD2-ED6938083324}"/>
+              </a:ext>
+            </a:extLst>
+          </p:cNvPr>
+          <p:cNvSpPr/>
+          <p:nvPr/>
+        </p:nvSpPr>
+        <p:spPr>
+          <a:xfrm>
+            <a:off x="3522023" y="1267236"/>
+            <a:ext cx="2488182" cy="461665"/>
+          </a:xfrm>
+          <a:prstGeom prst="rect">
+            <a:avLst/>
+          </a:prstGeom>
+        </p:spPr>
+        <p:txBody>
+          <a:bodyPr wrap="none">
+            <a:spAutoFit/>
+          </a:bodyPr>
+          <a:lstStyle/>
+          <a:p>
+            <a:r>
+              <a:rPr lang="en-GB" sz="2400" dirty="0">
+                <a:solidFill>
+                  <a:srgbClr val="000000"/>
+                </a:solidFill>
+                <a:latin typeface="Times New Roman" pitchFamily="18" charset="0"/>
+              </a:rPr>
+              <a:t>Fifth Excited State</a:t>
+            </a:r>
+            <a:endParaRPr lang="en-US" sz="2400" dirty="0"/>
+          </a:p>
+        </p:txBody>
+      </p:sp>
+      <p:pic>
+        <p:nvPicPr>
+          <p:cNvPr id="2" name="Picture 1">
+            <a:extLst>
+              <a:ext uri="{FF2B5EF4-FFF2-40B4-BE49-F238E27FC236}">
+                <a16:creationId xmlns:a16="http://schemas.microsoft.com/office/drawing/2014/main" id="{97184022-790E-7D6C-8D45-51610768E12A}"/>
+              </a:ext>
+            </a:extLst>
+          </p:cNvPr>
+          <p:cNvPicPr>
+            <a:picLocks noChangeAspect="1"/>
+          </p:cNvPicPr>
+          <p:nvPr/>
+        </p:nvPicPr>
+        <p:blipFill>
+          <a:blip r:embed="rId3"/>
+          <a:stretch>
+            <a:fillRect/>
+          </a:stretch>
+        </p:blipFill>
+        <p:spPr>
+          <a:xfrm>
+            <a:off x="1938128" y="2075789"/>
+            <a:ext cx="5338080" cy="4479508"/>
+          </a:xfrm>
+          <a:prstGeom prst="rect">
+            <a:avLst/>
+          </a:prstGeom>
+        </p:spPr>
+      </p:pic>
+    </p:spTree>
+    <p:extLst>
+      <p:ext uri="{BB962C8B-B14F-4D97-AF65-F5344CB8AC3E}">
+        <p14:creationId xmlns:p14="http://schemas.microsoft.com/office/powerpoint/2010/main" val="3493570998"/>
+      </p:ext>
+    </p:extLst>
+  </p:cSld>
+  <p:clrMapOvr>
+    <a:masterClrMapping/>
+  </p:clrMapOvr>
+</p:sld>
+</file>
+
+<file path=ppt/slides/slide28.xml><?xml version="1.0" encoding="utf-8"?>
 <p:sld xmlns:a="http://schemas.openxmlformats.org/drawingml/2006/main" xmlns:r="http://schemas.openxmlformats.org/officeDocument/2006/relationships" xmlns:p="http://schemas.openxmlformats.org/presentationml/2006/main">
   <p:cSld>
     <p:spTree>
@@ -12110,7 +12615,7 @@
         </p:blipFill>
         <p:spPr>
           <a:xfrm>
-            <a:off x="30748" y="1083125"/>
+            <a:off x="30748" y="1423092"/>
             <a:ext cx="4701674" cy="5467405"/>
           </a:xfrm>
           <a:prstGeom prst="rect">
@@ -12118,9 +12623,55 @@
           </a:prstGeom>
         </p:spPr>
       </p:pic>
+      <p:sp>
+        <p:nvSpPr>
+          <p:cNvPr id="2" name="Rectangle 1">
+            <a:extLst>
+              <a:ext uri="{FF2B5EF4-FFF2-40B4-BE49-F238E27FC236}">
+                <a16:creationId xmlns:a16="http://schemas.microsoft.com/office/drawing/2014/main" id="{710EDBAC-BAD6-87CD-728F-C52608EB06C2}"/>
+              </a:ext>
+            </a:extLst>
+          </p:cNvPr>
+          <p:cNvSpPr/>
+          <p:nvPr/>
+        </p:nvSpPr>
+        <p:spPr>
+          <a:xfrm>
+            <a:off x="4445163" y="2842311"/>
+            <a:ext cx="4249595" cy="1384995"/>
+          </a:xfrm>
+          <a:prstGeom prst="rect">
+            <a:avLst/>
+          </a:prstGeom>
+        </p:spPr>
+        <p:txBody>
+          <a:bodyPr wrap="square">
+            <a:spAutoFit/>
+          </a:bodyPr>
+          <a:lstStyle/>
+          <a:p>
+            <a:r>
+              <a:rPr lang="en-GB" sz="2800" dirty="0">
+                <a:solidFill>
+                  <a:srgbClr val="000000"/>
+                </a:solidFill>
+                <a:latin typeface="Times New Roman" pitchFamily="18" charset="0"/>
+              </a:rPr>
+              <a:t>What happens when the energy approaches the top of the potential well?</a:t>
+            </a:r>
+            <a:endParaRPr lang="en-US" sz="2800" dirty="0"/>
+          </a:p>
+        </p:txBody>
+      </p:sp>
       <p:pic>
         <p:nvPicPr>
-          <p:cNvPr id="7" name="Picture 6"/>
+          <p:cNvPr id="3" name="Picture 2">
+            <a:extLst>
+              <a:ext uri="{FF2B5EF4-FFF2-40B4-BE49-F238E27FC236}">
+                <a16:creationId xmlns:a16="http://schemas.microsoft.com/office/drawing/2014/main" id="{6F97D3AD-B7CF-A81D-CD17-6108ECD5986D}"/>
+              </a:ext>
+            </a:extLst>
+          </p:cNvPr>
           <p:cNvPicPr>
             <a:picLocks noChangeAspect="1"/>
           </p:cNvPicPr>
@@ -12134,7 +12685,7 @@
         </p:blipFill>
         <p:spPr>
           <a:xfrm>
-            <a:off x="4451661" y="1056389"/>
+            <a:off x="4451661" y="1396356"/>
             <a:ext cx="4576811" cy="5467405"/>
           </a:xfrm>
           <a:prstGeom prst="rect">
@@ -12144,14 +12695,20 @@
       </p:pic>
       <p:sp>
         <p:nvSpPr>
-          <p:cNvPr id="8" name="Rectangle 7"/>
+          <p:cNvPr id="9" name="Rectangle 8">
+            <a:extLst>
+              <a:ext uri="{FF2B5EF4-FFF2-40B4-BE49-F238E27FC236}">
+                <a16:creationId xmlns:a16="http://schemas.microsoft.com/office/drawing/2014/main" id="{282D56F9-FB3A-FCDA-5192-B07717DD6198}"/>
+              </a:ext>
+            </a:extLst>
+          </p:cNvPr>
           <p:cNvSpPr/>
           <p:nvPr/>
         </p:nvSpPr>
         <p:spPr>
           <a:xfrm>
-            <a:off x="3429183" y="6324215"/>
-            <a:ext cx="2572589" cy="400110"/>
+            <a:off x="2480888" y="1164007"/>
+            <a:ext cx="4698915" cy="400110"/>
           </a:xfrm>
           <a:prstGeom prst="rect">
             <a:avLst/>
@@ -12163,15 +12720,6 @@
           </a:bodyPr>
           <a:lstStyle/>
           <a:p>
-            <a:r>
-              <a:rPr lang="en-GB" sz="1600" dirty="0">
-                <a:solidFill>
-                  <a:srgbClr val="000000"/>
-                </a:solidFill>
-                <a:latin typeface="Times New Roman" pitchFamily="18" charset="0"/>
-              </a:rPr>
-              <a:t> </a:t>
-            </a:r>
             <a:r>
               <a:rPr lang="en-GB" sz="2000" dirty="0">
                 <a:solidFill>
@@ -12179,7 +12727,7 @@
                 </a:solidFill>
                 <a:latin typeface="Times New Roman" pitchFamily="18" charset="0"/>
               </a:rPr>
-              <a:t>Bond almost broken…</a:t>
+              <a:t>High enough energy: bond almost broken…</a:t>
             </a:r>
             <a:endParaRPr lang="en-US" sz="2000" dirty="0"/>
           </a:p>
@@ -12195,10 +12743,299 @@
   <p:clrMapOvr>
     <a:masterClrMapping/>
   </p:clrMapOvr>
+  <p:timing>
+    <p:tnLst>
+      <p:par>
+        <p:cTn id="1" dur="indefinite" restart="never" nodeType="tmRoot">
+          <p:childTnLst>
+            <p:seq concurrent="1" nextAc="seek">
+              <p:cTn id="2" dur="indefinite" nodeType="mainSeq">
+                <p:childTnLst>
+                  <p:par>
+                    <p:cTn id="3" fill="hold">
+                      <p:stCondLst>
+                        <p:cond delay="indefinite"/>
+                      </p:stCondLst>
+                      <p:childTnLst>
+                        <p:par>
+                          <p:cTn id="4" fill="hold">
+                            <p:stCondLst>
+                              <p:cond delay="0"/>
+                            </p:stCondLst>
+                            <p:childTnLst>
+                              <p:par>
+                                <p:cTn id="5" presetID="2" presetClass="exit" presetSubtype="4" fill="hold" grpId="0" nodeType="clickEffect">
+                                  <p:stCondLst>
+                                    <p:cond delay="0"/>
+                                  </p:stCondLst>
+                                  <p:childTnLst>
+                                    <p:anim calcmode="lin" valueType="num">
+                                      <p:cBhvr additive="base">
+                                        <p:cTn id="6" dur="500"/>
+                                        <p:tgtEl>
+                                          <p:spTgt spid="2"/>
+                                        </p:tgtEl>
+                                        <p:attrNameLst>
+                                          <p:attrName>ppt_x</p:attrName>
+                                        </p:attrNameLst>
+                                      </p:cBhvr>
+                                      <p:tavLst>
+                                        <p:tav tm="0">
+                                          <p:val>
+                                            <p:strVal val="ppt_x"/>
+                                          </p:val>
+                                        </p:tav>
+                                        <p:tav tm="100000">
+                                          <p:val>
+                                            <p:strVal val="ppt_x"/>
+                                          </p:val>
+                                        </p:tav>
+                                      </p:tavLst>
+                                    </p:anim>
+                                    <p:anim calcmode="lin" valueType="num">
+                                      <p:cBhvr additive="base">
+                                        <p:cTn id="7" dur="500"/>
+                                        <p:tgtEl>
+                                          <p:spTgt spid="2"/>
+                                        </p:tgtEl>
+                                        <p:attrNameLst>
+                                          <p:attrName>ppt_y</p:attrName>
+                                        </p:attrNameLst>
+                                      </p:cBhvr>
+                                      <p:tavLst>
+                                        <p:tav tm="0">
+                                          <p:val>
+                                            <p:strVal val="ppt_y"/>
+                                          </p:val>
+                                        </p:tav>
+                                        <p:tav tm="100000">
+                                          <p:val>
+                                            <p:strVal val="1+ppt_h/2"/>
+                                          </p:val>
+                                        </p:tav>
+                                      </p:tavLst>
+                                    </p:anim>
+                                    <p:set>
+                                      <p:cBhvr>
+                                        <p:cTn id="8" dur="1" fill="hold">
+                                          <p:stCondLst>
+                                            <p:cond delay="499"/>
+                                          </p:stCondLst>
+                                        </p:cTn>
+                                        <p:tgtEl>
+                                          <p:spTgt spid="2"/>
+                                        </p:tgtEl>
+                                        <p:attrNameLst>
+                                          <p:attrName>style.visibility</p:attrName>
+                                        </p:attrNameLst>
+                                      </p:cBhvr>
+                                      <p:to>
+                                        <p:strVal val="hidden"/>
+                                      </p:to>
+                                    </p:set>
+                                  </p:childTnLst>
+                                </p:cTn>
+                              </p:par>
+                            </p:childTnLst>
+                          </p:cTn>
+                        </p:par>
+                        <p:par>
+                          <p:cTn id="9" fill="hold">
+                            <p:stCondLst>
+                              <p:cond delay="500"/>
+                            </p:stCondLst>
+                            <p:childTnLst>
+                              <p:par>
+                                <p:cTn id="10" presetID="2" presetClass="entr" presetSubtype="4" fill="hold" nodeType="afterEffect">
+                                  <p:stCondLst>
+                                    <p:cond delay="0"/>
+                                  </p:stCondLst>
+                                  <p:childTnLst>
+                                    <p:set>
+                                      <p:cBhvr>
+                                        <p:cTn id="11" dur="1" fill="hold">
+                                          <p:stCondLst>
+                                            <p:cond delay="0"/>
+                                          </p:stCondLst>
+                                        </p:cTn>
+                                        <p:tgtEl>
+                                          <p:spTgt spid="3"/>
+                                        </p:tgtEl>
+                                        <p:attrNameLst>
+                                          <p:attrName>style.visibility</p:attrName>
+                                        </p:attrNameLst>
+                                      </p:cBhvr>
+                                      <p:to>
+                                        <p:strVal val="visible"/>
+                                      </p:to>
+                                    </p:set>
+                                    <p:anim calcmode="lin" valueType="num">
+                                      <p:cBhvr additive="base">
+                                        <p:cTn id="12" dur="500" fill="hold"/>
+                                        <p:tgtEl>
+                                          <p:spTgt spid="3"/>
+                                        </p:tgtEl>
+                                        <p:attrNameLst>
+                                          <p:attrName>ppt_x</p:attrName>
+                                        </p:attrNameLst>
+                                      </p:cBhvr>
+                                      <p:tavLst>
+                                        <p:tav tm="0">
+                                          <p:val>
+                                            <p:strVal val="#ppt_x"/>
+                                          </p:val>
+                                        </p:tav>
+                                        <p:tav tm="100000">
+                                          <p:val>
+                                            <p:strVal val="#ppt_x"/>
+                                          </p:val>
+                                        </p:tav>
+                                      </p:tavLst>
+                                    </p:anim>
+                                    <p:anim calcmode="lin" valueType="num">
+                                      <p:cBhvr additive="base">
+                                        <p:cTn id="13" dur="500" fill="hold"/>
+                                        <p:tgtEl>
+                                          <p:spTgt spid="3"/>
+                                        </p:tgtEl>
+                                        <p:attrNameLst>
+                                          <p:attrName>ppt_y</p:attrName>
+                                        </p:attrNameLst>
+                                      </p:cBhvr>
+                                      <p:tavLst>
+                                        <p:tav tm="0">
+                                          <p:val>
+                                            <p:strVal val="1+#ppt_h/2"/>
+                                          </p:val>
+                                        </p:tav>
+                                        <p:tav tm="100000">
+                                          <p:val>
+                                            <p:strVal val="#ppt_y"/>
+                                          </p:val>
+                                        </p:tav>
+                                      </p:tavLst>
+                                    </p:anim>
+                                  </p:childTnLst>
+                                </p:cTn>
+                              </p:par>
+                            </p:childTnLst>
+                          </p:cTn>
+                        </p:par>
+                        <p:par>
+                          <p:cTn id="14" fill="hold">
+                            <p:stCondLst>
+                              <p:cond delay="1000"/>
+                            </p:stCondLst>
+                            <p:childTnLst>
+                              <p:par>
+                                <p:cTn id="15" presetID="2" presetClass="entr" presetSubtype="4" fill="hold" grpId="0" nodeType="afterEffect">
+                                  <p:stCondLst>
+                                    <p:cond delay="0"/>
+                                  </p:stCondLst>
+                                  <p:childTnLst>
+                                    <p:set>
+                                      <p:cBhvr>
+                                        <p:cTn id="16" dur="1" fill="hold">
+                                          <p:stCondLst>
+                                            <p:cond delay="0"/>
+                                          </p:stCondLst>
+                                        </p:cTn>
+                                        <p:tgtEl>
+                                          <p:spTgt spid="9"/>
+                                        </p:tgtEl>
+                                        <p:attrNameLst>
+                                          <p:attrName>style.visibility</p:attrName>
+                                        </p:attrNameLst>
+                                      </p:cBhvr>
+                                      <p:to>
+                                        <p:strVal val="visible"/>
+                                      </p:to>
+                                    </p:set>
+                                    <p:anim calcmode="lin" valueType="num">
+                                      <p:cBhvr additive="base">
+                                        <p:cTn id="17" dur="500" fill="hold"/>
+                                        <p:tgtEl>
+                                          <p:spTgt spid="9"/>
+                                        </p:tgtEl>
+                                        <p:attrNameLst>
+                                          <p:attrName>ppt_x</p:attrName>
+                                        </p:attrNameLst>
+                                      </p:cBhvr>
+                                      <p:tavLst>
+                                        <p:tav tm="0">
+                                          <p:val>
+                                            <p:strVal val="#ppt_x"/>
+                                          </p:val>
+                                        </p:tav>
+                                        <p:tav tm="100000">
+                                          <p:val>
+                                            <p:strVal val="#ppt_x"/>
+                                          </p:val>
+                                        </p:tav>
+                                      </p:tavLst>
+                                    </p:anim>
+                                    <p:anim calcmode="lin" valueType="num">
+                                      <p:cBhvr additive="base">
+                                        <p:cTn id="18" dur="500" fill="hold"/>
+                                        <p:tgtEl>
+                                          <p:spTgt spid="9"/>
+                                        </p:tgtEl>
+                                        <p:attrNameLst>
+                                          <p:attrName>ppt_y</p:attrName>
+                                        </p:attrNameLst>
+                                      </p:cBhvr>
+                                      <p:tavLst>
+                                        <p:tav tm="0">
+                                          <p:val>
+                                            <p:strVal val="1+#ppt_h/2"/>
+                                          </p:val>
+                                        </p:tav>
+                                        <p:tav tm="100000">
+                                          <p:val>
+                                            <p:strVal val="#ppt_y"/>
+                                          </p:val>
+                                        </p:tav>
+                                      </p:tavLst>
+                                    </p:anim>
+                                  </p:childTnLst>
+                                </p:cTn>
+                              </p:par>
+                            </p:childTnLst>
+                          </p:cTn>
+                        </p:par>
+                      </p:childTnLst>
+                    </p:cTn>
+                  </p:par>
+                </p:childTnLst>
+              </p:cTn>
+              <p:prevCondLst>
+                <p:cond evt="onPrev" delay="0">
+                  <p:tgtEl>
+                    <p:sldTgt/>
+                  </p:tgtEl>
+                </p:cond>
+              </p:prevCondLst>
+              <p:nextCondLst>
+                <p:cond evt="onNext" delay="0">
+                  <p:tgtEl>
+                    <p:sldTgt/>
+                  </p:tgtEl>
+                </p:cond>
+              </p:nextCondLst>
+            </p:seq>
+          </p:childTnLst>
+        </p:cTn>
+      </p:par>
+    </p:tnLst>
+    <p:bldLst>
+      <p:bldP spid="2" grpId="0"/>
+      <p:bldP spid="9" grpId="0"/>
+    </p:bldLst>
+  </p:timing>
 </p:sld>
 </file>
 
-<file path=ppt/slides/slide26.xml><?xml version="1.0" encoding="utf-8"?>
+<file path=ppt/slides/slide29.xml><?xml version="1.0" encoding="utf-8"?>
 <p:sld xmlns:a="http://schemas.openxmlformats.org/drawingml/2006/main" xmlns:r="http://schemas.openxmlformats.org/officeDocument/2006/relationships" xmlns:p="http://schemas.openxmlformats.org/presentationml/2006/main">
   <p:cSld>
     <p:spTree>
@@ -12602,6 +13439,9 @@
                     <p:cTn id="3" fill="hold">
                       <p:stCondLst>
                         <p:cond delay="indefinite"/>
+                        <p:cond evt="onBegin" delay="0">
+                          <p:tn val="2"/>
+                        </p:cond>
                       </p:stCondLst>
                       <p:childTnLst>
                         <p:par>
@@ -12611,7 +13451,7 @@
                             </p:stCondLst>
                             <p:childTnLst>
                               <p:par>
-                                <p:cTn id="5" presetID="2" presetClass="entr" presetSubtype="4" fill="hold" grpId="0" nodeType="clickEffect">
+                                <p:cTn id="5" presetID="2" presetClass="entr" presetSubtype="4" fill="hold" grpId="0" nodeType="withEffect">
                                   <p:stCondLst>
                                     <p:cond delay="0"/>
                                   </p:stCondLst>
@@ -15407,6 +16247,2571 @@
       <p:bldP spid="25" grpId="0"/>
       <p:bldP spid="26" grpId="0"/>
       <p:bldP spid="29" grpId="0" animBg="1"/>
+    </p:bldLst>
+  </p:timing>
+</p:sld>
+</file>
+
+<file path=ppt/slides/slide30.xml><?xml version="1.0" encoding="utf-8"?>
+<p:sld xmlns:a="http://schemas.openxmlformats.org/drawingml/2006/main" xmlns:r="http://schemas.openxmlformats.org/officeDocument/2006/relationships" xmlns:p="http://schemas.openxmlformats.org/presentationml/2006/main">
+  <p:cSld>
+    <p:spTree>
+      <p:nvGrpSpPr>
+        <p:cNvPr id="1" name=""/>
+        <p:cNvGrpSpPr/>
+        <p:nvPr/>
+      </p:nvGrpSpPr>
+      <p:grpSpPr>
+        <a:xfrm>
+          <a:off x="0" y="0"/>
+          <a:ext cx="0" cy="0"/>
+          <a:chOff x="0" y="0"/>
+          <a:chExt cx="0" cy="0"/>
+        </a:xfrm>
+      </p:grpSpPr>
+      <p:pic>
+        <p:nvPicPr>
+          <p:cNvPr id="4" name="Picture 3">
+            <a:extLst>
+              <a:ext uri="{FF2B5EF4-FFF2-40B4-BE49-F238E27FC236}">
+                <a16:creationId xmlns:a16="http://schemas.microsoft.com/office/drawing/2014/main" id="{FC337BC0-9EE2-5DBF-A5CF-E3D8F124D89E}"/>
+              </a:ext>
+            </a:extLst>
+          </p:cNvPr>
+          <p:cNvPicPr>
+            <a:picLocks noChangeAspect="1"/>
+          </p:cNvPicPr>
+          <p:nvPr/>
+        </p:nvPicPr>
+        <p:blipFill rotWithShape="1">
+          <a:blip r:embed="rId2"/>
+          <a:srcRect b="7308"/>
+          <a:stretch/>
+        </p:blipFill>
+        <p:spPr>
+          <a:xfrm>
+            <a:off x="91439" y="315912"/>
+            <a:ext cx="8755381" cy="6187758"/>
+          </a:xfrm>
+          <a:prstGeom prst="rect">
+            <a:avLst/>
+          </a:prstGeom>
+        </p:spPr>
+      </p:pic>
+      <p:pic>
+        <p:nvPicPr>
+          <p:cNvPr id="6" name="Picture 2">
+            <a:extLst>
+              <a:ext uri="{FF2B5EF4-FFF2-40B4-BE49-F238E27FC236}">
+                <a16:creationId xmlns:a16="http://schemas.microsoft.com/office/drawing/2014/main" id="{D04C217A-C37F-CE99-8AFF-30D44B95A546}"/>
+              </a:ext>
+            </a:extLst>
+          </p:cNvPr>
+          <p:cNvPicPr>
+            <a:picLocks noChangeAspect="1" noChangeArrowheads="1"/>
+          </p:cNvPicPr>
+          <p:nvPr/>
+        </p:nvPicPr>
+        <p:blipFill>
+          <a:blip r:embed="rId3" cstate="print"/>
+          <a:srcRect/>
+          <a:stretch>
+            <a:fillRect/>
+          </a:stretch>
+        </p:blipFill>
+        <p:spPr bwMode="auto">
+          <a:xfrm>
+            <a:off x="484188" y="76200"/>
+            <a:ext cx="8202612" cy="239712"/>
+          </a:xfrm>
+          <a:prstGeom prst="rect">
+            <a:avLst/>
+          </a:prstGeom>
+          <a:noFill/>
+          <a:ln w="9525">
+            <a:noFill/>
+            <a:round/>
+            <a:headEnd/>
+            <a:tailEnd/>
+          </a:ln>
+        </p:spPr>
+      </p:pic>
+      <p:sp>
+        <p:nvSpPr>
+          <p:cNvPr id="7" name="Rectangle 6">
+            <a:extLst>
+              <a:ext uri="{FF2B5EF4-FFF2-40B4-BE49-F238E27FC236}">
+                <a16:creationId xmlns:a16="http://schemas.microsoft.com/office/drawing/2014/main" id="{0151E071-BAEF-FED9-F5D0-EC0364ADA001}"/>
+              </a:ext>
+            </a:extLst>
+          </p:cNvPr>
+          <p:cNvSpPr>
+            <a:spLocks noChangeArrowheads="1"/>
+          </p:cNvSpPr>
+          <p:nvPr/>
+        </p:nvSpPr>
+        <p:spPr bwMode="auto">
+          <a:xfrm>
+            <a:off x="103718" y="219287"/>
+            <a:ext cx="8991601" cy="1127125"/>
+          </a:xfrm>
+          <a:prstGeom prst="rect">
+            <a:avLst/>
+          </a:prstGeom>
+          <a:noFill/>
+          <a:ln w="9525">
+            <a:noFill/>
+            <a:round/>
+            <a:headEnd/>
+            <a:tailEnd/>
+          </a:ln>
+        </p:spPr>
+        <p:txBody>
+          <a:bodyPr lIns="0" tIns="0" rIns="0" bIns="0" anchor="ctr"/>
+          <a:lstStyle/>
+          <a:p>
+            <a:pPr algn="ctr">
+              <a:buClr>
+                <a:srgbClr val="000000"/>
+              </a:buClr>
+              <a:buSzPct val="100000"/>
+              <a:buFont typeface="Times New Roman" pitchFamily="18" charset="0"/>
+              <a:buNone/>
+              <a:tabLst>
+                <a:tab pos="0" algn="l"/>
+                <a:tab pos="914400" algn="l"/>
+                <a:tab pos="1828800" algn="l"/>
+                <a:tab pos="2743200" algn="l"/>
+                <a:tab pos="3657600" algn="l"/>
+                <a:tab pos="4572000" algn="l"/>
+                <a:tab pos="5486400" algn="l"/>
+                <a:tab pos="6400800" algn="l"/>
+                <a:tab pos="7315200" algn="l"/>
+                <a:tab pos="8229600" algn="l"/>
+                <a:tab pos="9144000" algn="l"/>
+                <a:tab pos="10058400" algn="l"/>
+              </a:tabLst>
+            </a:pPr>
+            <a:r>
+              <a:rPr lang="en-GB" sz="4000" dirty="0" err="1">
+                <a:solidFill>
+                  <a:srgbClr val="000000"/>
+                </a:solidFill>
+                <a:latin typeface="Times New Roman" pitchFamily="18" charset="0"/>
+              </a:rPr>
+              <a:t>Anharmonic</a:t>
+            </a:r>
+            <a:r>
+              <a:rPr lang="en-GB" sz="4000" dirty="0">
+                <a:solidFill>
+                  <a:srgbClr val="000000"/>
+                </a:solidFill>
+                <a:latin typeface="Times New Roman" pitchFamily="18" charset="0"/>
+              </a:rPr>
+              <a:t> Oscillator</a:t>
+            </a:r>
+          </a:p>
+        </p:txBody>
+      </p:sp>
+      <p:sp>
+        <p:nvSpPr>
+          <p:cNvPr id="8" name="TextBox 7">
+            <a:extLst>
+              <a:ext uri="{FF2B5EF4-FFF2-40B4-BE49-F238E27FC236}">
+                <a16:creationId xmlns:a16="http://schemas.microsoft.com/office/drawing/2014/main" id="{59D47E35-914B-0F7A-0009-2BD4067AFEEF}"/>
+              </a:ext>
+            </a:extLst>
+          </p:cNvPr>
+          <p:cNvSpPr txBox="1"/>
+          <p:nvPr/>
+        </p:nvSpPr>
+        <p:spPr>
+          <a:xfrm>
+            <a:off x="5074922" y="2450779"/>
+            <a:ext cx="3643208" cy="2092881"/>
+          </a:xfrm>
+          <a:prstGeom prst="rect">
+            <a:avLst/>
+          </a:prstGeom>
+          <a:solidFill>
+            <a:schemeClr val="bg1"/>
+          </a:solidFill>
+        </p:spPr>
+        <p:txBody>
+          <a:bodyPr wrap="square" rtlCol="0">
+            <a:spAutoFit/>
+          </a:bodyPr>
+          <a:lstStyle/>
+          <a:p>
+            <a:pPr lvl="1"/>
+            <a:r>
+              <a:rPr lang="en-US" sz="2600" dirty="0">
+                <a:latin typeface="Times New Roman"/>
+                <a:cs typeface="Times New Roman"/>
+              </a:rPr>
+              <a:t>As energy increases toward the asymptote, eigenvalues of the anharmonic oscillator get closer and closer</a:t>
+            </a:r>
+          </a:p>
+        </p:txBody>
+      </p:sp>
+      <p:cxnSp>
+        <p:nvCxnSpPr>
+          <p:cNvPr id="9" name="Straight Connector 8">
+            <a:extLst>
+              <a:ext uri="{FF2B5EF4-FFF2-40B4-BE49-F238E27FC236}">
+                <a16:creationId xmlns:a16="http://schemas.microsoft.com/office/drawing/2014/main" id="{2FA28668-B95B-D3B4-F065-0728D006ABE5}"/>
+              </a:ext>
+            </a:extLst>
+          </p:cNvPr>
+          <p:cNvCxnSpPr>
+            <a:cxnSpLocks/>
+          </p:cNvCxnSpPr>
+          <p:nvPr/>
+        </p:nvCxnSpPr>
+        <p:spPr>
+          <a:xfrm>
+            <a:off x="662940" y="1882920"/>
+            <a:ext cx="8056893" cy="0"/>
+          </a:xfrm>
+          <a:prstGeom prst="line">
+            <a:avLst/>
+          </a:prstGeom>
+          <a:ln>
+            <a:prstDash val="dash"/>
+          </a:ln>
+        </p:spPr>
+        <p:style>
+          <a:lnRef idx="2">
+            <a:schemeClr val="accent1"/>
+          </a:lnRef>
+          <a:fillRef idx="0">
+            <a:schemeClr val="accent1"/>
+          </a:fillRef>
+          <a:effectRef idx="1">
+            <a:schemeClr val="accent1"/>
+          </a:effectRef>
+          <a:fontRef idx="minor">
+            <a:schemeClr val="tx1"/>
+          </a:fontRef>
+        </p:style>
+      </p:cxnSp>
+      <p:sp>
+        <p:nvSpPr>
+          <p:cNvPr id="10" name="Rectangle 9">
+            <a:extLst>
+              <a:ext uri="{FF2B5EF4-FFF2-40B4-BE49-F238E27FC236}">
+                <a16:creationId xmlns:a16="http://schemas.microsoft.com/office/drawing/2014/main" id="{0DE80E4E-85C1-2EF0-F813-C97C9594CD7D}"/>
+              </a:ext>
+            </a:extLst>
+          </p:cNvPr>
+          <p:cNvSpPr/>
+          <p:nvPr/>
+        </p:nvSpPr>
+        <p:spPr>
+          <a:xfrm>
+            <a:off x="3677746" y="1324163"/>
+            <a:ext cx="2339102" cy="400110"/>
+          </a:xfrm>
+          <a:prstGeom prst="rect">
+            <a:avLst/>
+          </a:prstGeom>
+        </p:spPr>
+        <p:txBody>
+          <a:bodyPr wrap="none">
+            <a:spAutoFit/>
+          </a:bodyPr>
+          <a:lstStyle/>
+          <a:p>
+            <a:r>
+              <a:rPr lang="en-GB" sz="1600" dirty="0">
+                <a:solidFill>
+                  <a:srgbClr val="000000"/>
+                </a:solidFill>
+                <a:latin typeface="Times New Roman" pitchFamily="18" charset="0"/>
+              </a:rPr>
+              <a:t> </a:t>
+            </a:r>
+            <a:r>
+              <a:rPr lang="en-GB" sz="2000" dirty="0">
+                <a:solidFill>
+                  <a:srgbClr val="000000"/>
+                </a:solidFill>
+                <a:latin typeface="Times New Roman" pitchFamily="18" charset="0"/>
+              </a:rPr>
+              <a:t>Energetic asymptote</a:t>
+            </a:r>
+            <a:endParaRPr lang="en-US" sz="2000" dirty="0"/>
+          </a:p>
+        </p:txBody>
+      </p:sp>
+      <p:cxnSp>
+        <p:nvCxnSpPr>
+          <p:cNvPr id="11" name="Straight Arrow Connector 10">
+            <a:extLst>
+              <a:ext uri="{FF2B5EF4-FFF2-40B4-BE49-F238E27FC236}">
+                <a16:creationId xmlns:a16="http://schemas.microsoft.com/office/drawing/2014/main" id="{5FB990E0-021B-F1CF-D689-B5AB6D7EAB4D}"/>
+              </a:ext>
+            </a:extLst>
+          </p:cNvPr>
+          <p:cNvCxnSpPr>
+            <a:cxnSpLocks/>
+          </p:cNvCxnSpPr>
+          <p:nvPr/>
+        </p:nvCxnSpPr>
+        <p:spPr>
+          <a:xfrm>
+            <a:off x="6046470" y="1554480"/>
+            <a:ext cx="1015679" cy="288336"/>
+          </a:xfrm>
+          <a:prstGeom prst="straightConnector1">
+            <a:avLst/>
+          </a:prstGeom>
+          <a:ln>
+            <a:tailEnd type="arrow"/>
+          </a:ln>
+        </p:spPr>
+        <p:style>
+          <a:lnRef idx="2">
+            <a:schemeClr val="accent1"/>
+          </a:lnRef>
+          <a:fillRef idx="0">
+            <a:schemeClr val="accent1"/>
+          </a:fillRef>
+          <a:effectRef idx="1">
+            <a:schemeClr val="accent1"/>
+          </a:effectRef>
+          <a:fontRef idx="minor">
+            <a:schemeClr val="tx1"/>
+          </a:fontRef>
+        </p:style>
+      </p:cxnSp>
+      <p:cxnSp>
+        <p:nvCxnSpPr>
+          <p:cNvPr id="13" name="Straight Arrow Connector 12">
+            <a:extLst>
+              <a:ext uri="{FF2B5EF4-FFF2-40B4-BE49-F238E27FC236}">
+                <a16:creationId xmlns:a16="http://schemas.microsoft.com/office/drawing/2014/main" id="{84D4FB80-86AB-F923-16C8-AF55786E9EA3}"/>
+              </a:ext>
+            </a:extLst>
+          </p:cNvPr>
+          <p:cNvCxnSpPr/>
+          <p:nvPr/>
+        </p:nvCxnSpPr>
+        <p:spPr>
+          <a:xfrm flipV="1">
+            <a:off x="5405133" y="2450779"/>
+            <a:ext cx="0" cy="2232525"/>
+          </a:xfrm>
+          <a:prstGeom prst="straightConnector1">
+            <a:avLst/>
+          </a:prstGeom>
+          <a:ln>
+            <a:tailEnd type="arrow"/>
+          </a:ln>
+        </p:spPr>
+        <p:style>
+          <a:lnRef idx="2">
+            <a:schemeClr val="accent1"/>
+          </a:lnRef>
+          <a:fillRef idx="0">
+            <a:schemeClr val="accent1"/>
+          </a:fillRef>
+          <a:effectRef idx="1">
+            <a:schemeClr val="accent1"/>
+          </a:effectRef>
+          <a:fontRef idx="minor">
+            <a:schemeClr val="tx1"/>
+          </a:fontRef>
+        </p:style>
+      </p:cxnSp>
+    </p:spTree>
+    <p:extLst>
+      <p:ext uri="{BB962C8B-B14F-4D97-AF65-F5344CB8AC3E}">
+        <p14:creationId xmlns:p14="http://schemas.microsoft.com/office/powerpoint/2010/main" val="676602225"/>
+      </p:ext>
+    </p:extLst>
+  </p:cSld>
+  <p:clrMapOvr>
+    <a:masterClrMapping/>
+  </p:clrMapOvr>
+  <p:timing>
+    <p:tnLst>
+      <p:par>
+        <p:cTn id="1" dur="indefinite" restart="never" nodeType="tmRoot">
+          <p:childTnLst>
+            <p:seq concurrent="1" nextAc="seek">
+              <p:cTn id="2" dur="indefinite" nodeType="mainSeq">
+                <p:childTnLst>
+                  <p:par>
+                    <p:cTn id="3" fill="hold">
+                      <p:stCondLst>
+                        <p:cond delay="indefinite"/>
+                        <p:cond evt="onBegin" delay="0">
+                          <p:tn val="2"/>
+                        </p:cond>
+                      </p:stCondLst>
+                      <p:childTnLst>
+                        <p:par>
+                          <p:cTn id="4" fill="hold">
+                            <p:stCondLst>
+                              <p:cond delay="0"/>
+                            </p:stCondLst>
+                            <p:childTnLst>
+                              <p:par>
+                                <p:cTn id="5" presetID="2" presetClass="entr" presetSubtype="4" fill="hold" nodeType="withEffect">
+                                  <p:stCondLst>
+                                    <p:cond delay="0"/>
+                                  </p:stCondLst>
+                                  <p:childTnLst>
+                                    <p:set>
+                                      <p:cBhvr>
+                                        <p:cTn id="6" dur="1" fill="hold">
+                                          <p:stCondLst>
+                                            <p:cond delay="0"/>
+                                          </p:stCondLst>
+                                        </p:cTn>
+                                        <p:tgtEl>
+                                          <p:spTgt spid="13"/>
+                                        </p:tgtEl>
+                                        <p:attrNameLst>
+                                          <p:attrName>style.visibility</p:attrName>
+                                        </p:attrNameLst>
+                                      </p:cBhvr>
+                                      <p:to>
+                                        <p:strVal val="visible"/>
+                                      </p:to>
+                                    </p:set>
+                                    <p:anim calcmode="lin" valueType="num">
+                                      <p:cBhvr additive="base">
+                                        <p:cTn id="7" dur="500" fill="hold"/>
+                                        <p:tgtEl>
+                                          <p:spTgt spid="13"/>
+                                        </p:tgtEl>
+                                        <p:attrNameLst>
+                                          <p:attrName>ppt_x</p:attrName>
+                                        </p:attrNameLst>
+                                      </p:cBhvr>
+                                      <p:tavLst>
+                                        <p:tav tm="0">
+                                          <p:val>
+                                            <p:strVal val="#ppt_x"/>
+                                          </p:val>
+                                        </p:tav>
+                                        <p:tav tm="100000">
+                                          <p:val>
+                                            <p:strVal val="#ppt_x"/>
+                                          </p:val>
+                                        </p:tav>
+                                      </p:tavLst>
+                                    </p:anim>
+                                    <p:anim calcmode="lin" valueType="num">
+                                      <p:cBhvr additive="base">
+                                        <p:cTn id="8" dur="500" fill="hold"/>
+                                        <p:tgtEl>
+                                          <p:spTgt spid="13"/>
+                                        </p:tgtEl>
+                                        <p:attrNameLst>
+                                          <p:attrName>ppt_y</p:attrName>
+                                        </p:attrNameLst>
+                                      </p:cBhvr>
+                                      <p:tavLst>
+                                        <p:tav tm="0">
+                                          <p:val>
+                                            <p:strVal val="1+#ppt_h/2"/>
+                                          </p:val>
+                                        </p:tav>
+                                        <p:tav tm="100000">
+                                          <p:val>
+                                            <p:strVal val="#ppt_y"/>
+                                          </p:val>
+                                        </p:tav>
+                                      </p:tavLst>
+                                    </p:anim>
+                                  </p:childTnLst>
+                                </p:cTn>
+                              </p:par>
+                              <p:par>
+                                <p:cTn id="9" presetID="2" presetClass="entr" presetSubtype="4" fill="hold" grpId="0" nodeType="withEffect">
+                                  <p:stCondLst>
+                                    <p:cond delay="0"/>
+                                  </p:stCondLst>
+                                  <p:childTnLst>
+                                    <p:set>
+                                      <p:cBhvr>
+                                        <p:cTn id="10" dur="1" fill="hold">
+                                          <p:stCondLst>
+                                            <p:cond delay="0"/>
+                                          </p:stCondLst>
+                                        </p:cTn>
+                                        <p:tgtEl>
+                                          <p:spTgt spid="8"/>
+                                        </p:tgtEl>
+                                        <p:attrNameLst>
+                                          <p:attrName>style.visibility</p:attrName>
+                                        </p:attrNameLst>
+                                      </p:cBhvr>
+                                      <p:to>
+                                        <p:strVal val="visible"/>
+                                      </p:to>
+                                    </p:set>
+                                    <p:anim calcmode="lin" valueType="num">
+                                      <p:cBhvr additive="base">
+                                        <p:cTn id="11" dur="500" fill="hold"/>
+                                        <p:tgtEl>
+                                          <p:spTgt spid="8"/>
+                                        </p:tgtEl>
+                                        <p:attrNameLst>
+                                          <p:attrName>ppt_x</p:attrName>
+                                        </p:attrNameLst>
+                                      </p:cBhvr>
+                                      <p:tavLst>
+                                        <p:tav tm="0">
+                                          <p:val>
+                                            <p:strVal val="#ppt_x"/>
+                                          </p:val>
+                                        </p:tav>
+                                        <p:tav tm="100000">
+                                          <p:val>
+                                            <p:strVal val="#ppt_x"/>
+                                          </p:val>
+                                        </p:tav>
+                                      </p:tavLst>
+                                    </p:anim>
+                                    <p:anim calcmode="lin" valueType="num">
+                                      <p:cBhvr additive="base">
+                                        <p:cTn id="12" dur="500" fill="hold"/>
+                                        <p:tgtEl>
+                                          <p:spTgt spid="8"/>
+                                        </p:tgtEl>
+                                        <p:attrNameLst>
+                                          <p:attrName>ppt_y</p:attrName>
+                                        </p:attrNameLst>
+                                      </p:cBhvr>
+                                      <p:tavLst>
+                                        <p:tav tm="0">
+                                          <p:val>
+                                            <p:strVal val="1+#ppt_h/2"/>
+                                          </p:val>
+                                        </p:tav>
+                                        <p:tav tm="100000">
+                                          <p:val>
+                                            <p:strVal val="#ppt_y"/>
+                                          </p:val>
+                                        </p:tav>
+                                      </p:tavLst>
+                                    </p:anim>
+                                  </p:childTnLst>
+                                </p:cTn>
+                              </p:par>
+                            </p:childTnLst>
+                          </p:cTn>
+                        </p:par>
+                        <p:par>
+                          <p:cTn id="13" fill="hold">
+                            <p:stCondLst>
+                              <p:cond delay="500"/>
+                            </p:stCondLst>
+                            <p:childTnLst>
+                              <p:par>
+                                <p:cTn id="14" presetID="2" presetClass="entr" presetSubtype="1" fill="hold" grpId="0" nodeType="afterEffect">
+                                  <p:stCondLst>
+                                    <p:cond delay="0"/>
+                                  </p:stCondLst>
+                                  <p:childTnLst>
+                                    <p:set>
+                                      <p:cBhvr>
+                                        <p:cTn id="15" dur="1" fill="hold">
+                                          <p:stCondLst>
+                                            <p:cond delay="0"/>
+                                          </p:stCondLst>
+                                        </p:cTn>
+                                        <p:tgtEl>
+                                          <p:spTgt spid="10"/>
+                                        </p:tgtEl>
+                                        <p:attrNameLst>
+                                          <p:attrName>style.visibility</p:attrName>
+                                        </p:attrNameLst>
+                                      </p:cBhvr>
+                                      <p:to>
+                                        <p:strVal val="visible"/>
+                                      </p:to>
+                                    </p:set>
+                                    <p:anim calcmode="lin" valueType="num">
+                                      <p:cBhvr additive="base">
+                                        <p:cTn id="16" dur="500" fill="hold"/>
+                                        <p:tgtEl>
+                                          <p:spTgt spid="10"/>
+                                        </p:tgtEl>
+                                        <p:attrNameLst>
+                                          <p:attrName>ppt_x</p:attrName>
+                                        </p:attrNameLst>
+                                      </p:cBhvr>
+                                      <p:tavLst>
+                                        <p:tav tm="0">
+                                          <p:val>
+                                            <p:strVal val="#ppt_x"/>
+                                          </p:val>
+                                        </p:tav>
+                                        <p:tav tm="100000">
+                                          <p:val>
+                                            <p:strVal val="#ppt_x"/>
+                                          </p:val>
+                                        </p:tav>
+                                      </p:tavLst>
+                                    </p:anim>
+                                    <p:anim calcmode="lin" valueType="num">
+                                      <p:cBhvr additive="base">
+                                        <p:cTn id="17" dur="500" fill="hold"/>
+                                        <p:tgtEl>
+                                          <p:spTgt spid="10"/>
+                                        </p:tgtEl>
+                                        <p:attrNameLst>
+                                          <p:attrName>ppt_y</p:attrName>
+                                        </p:attrNameLst>
+                                      </p:cBhvr>
+                                      <p:tavLst>
+                                        <p:tav tm="0">
+                                          <p:val>
+                                            <p:strVal val="0-#ppt_h/2"/>
+                                          </p:val>
+                                        </p:tav>
+                                        <p:tav tm="100000">
+                                          <p:val>
+                                            <p:strVal val="#ppt_y"/>
+                                          </p:val>
+                                        </p:tav>
+                                      </p:tavLst>
+                                    </p:anim>
+                                  </p:childTnLst>
+                                </p:cTn>
+                              </p:par>
+                            </p:childTnLst>
+                          </p:cTn>
+                        </p:par>
+                        <p:par>
+                          <p:cTn id="18" fill="hold">
+                            <p:stCondLst>
+                              <p:cond delay="1000"/>
+                            </p:stCondLst>
+                            <p:childTnLst>
+                              <p:par>
+                                <p:cTn id="19" presetID="2" presetClass="entr" presetSubtype="1" fill="hold" nodeType="afterEffect">
+                                  <p:stCondLst>
+                                    <p:cond delay="0"/>
+                                  </p:stCondLst>
+                                  <p:childTnLst>
+                                    <p:set>
+                                      <p:cBhvr>
+                                        <p:cTn id="20" dur="1" fill="hold">
+                                          <p:stCondLst>
+                                            <p:cond delay="0"/>
+                                          </p:stCondLst>
+                                        </p:cTn>
+                                        <p:tgtEl>
+                                          <p:spTgt spid="9"/>
+                                        </p:tgtEl>
+                                        <p:attrNameLst>
+                                          <p:attrName>style.visibility</p:attrName>
+                                        </p:attrNameLst>
+                                      </p:cBhvr>
+                                      <p:to>
+                                        <p:strVal val="visible"/>
+                                      </p:to>
+                                    </p:set>
+                                    <p:anim calcmode="lin" valueType="num">
+                                      <p:cBhvr additive="base">
+                                        <p:cTn id="21" dur="500" fill="hold"/>
+                                        <p:tgtEl>
+                                          <p:spTgt spid="9"/>
+                                        </p:tgtEl>
+                                        <p:attrNameLst>
+                                          <p:attrName>ppt_x</p:attrName>
+                                        </p:attrNameLst>
+                                      </p:cBhvr>
+                                      <p:tavLst>
+                                        <p:tav tm="0">
+                                          <p:val>
+                                            <p:strVal val="#ppt_x"/>
+                                          </p:val>
+                                        </p:tav>
+                                        <p:tav tm="100000">
+                                          <p:val>
+                                            <p:strVal val="#ppt_x"/>
+                                          </p:val>
+                                        </p:tav>
+                                      </p:tavLst>
+                                    </p:anim>
+                                    <p:anim calcmode="lin" valueType="num">
+                                      <p:cBhvr additive="base">
+                                        <p:cTn id="22" dur="500" fill="hold"/>
+                                        <p:tgtEl>
+                                          <p:spTgt spid="9"/>
+                                        </p:tgtEl>
+                                        <p:attrNameLst>
+                                          <p:attrName>ppt_y</p:attrName>
+                                        </p:attrNameLst>
+                                      </p:cBhvr>
+                                      <p:tavLst>
+                                        <p:tav tm="0">
+                                          <p:val>
+                                            <p:strVal val="0-#ppt_h/2"/>
+                                          </p:val>
+                                        </p:tav>
+                                        <p:tav tm="100000">
+                                          <p:val>
+                                            <p:strVal val="#ppt_y"/>
+                                          </p:val>
+                                        </p:tav>
+                                      </p:tavLst>
+                                    </p:anim>
+                                  </p:childTnLst>
+                                </p:cTn>
+                              </p:par>
+                            </p:childTnLst>
+                          </p:cTn>
+                        </p:par>
+                      </p:childTnLst>
+                    </p:cTn>
+                  </p:par>
+                </p:childTnLst>
+              </p:cTn>
+              <p:prevCondLst>
+                <p:cond evt="onPrev" delay="0">
+                  <p:tgtEl>
+                    <p:sldTgt/>
+                  </p:tgtEl>
+                </p:cond>
+              </p:prevCondLst>
+              <p:nextCondLst>
+                <p:cond evt="onNext" delay="0">
+                  <p:tgtEl>
+                    <p:sldTgt/>
+                  </p:tgtEl>
+                </p:cond>
+              </p:nextCondLst>
+            </p:seq>
+          </p:childTnLst>
+        </p:cTn>
+      </p:par>
+    </p:tnLst>
+    <p:bldLst>
+      <p:bldP spid="8" grpId="0" animBg="1"/>
+      <p:bldP spid="10" grpId="0"/>
+    </p:bldLst>
+  </p:timing>
+</p:sld>
+</file>
+
+<file path=ppt/slides/slide31.xml><?xml version="1.0" encoding="utf-8"?>
+<p:sld xmlns:a="http://schemas.openxmlformats.org/drawingml/2006/main" xmlns:r="http://schemas.openxmlformats.org/officeDocument/2006/relationships" xmlns:p="http://schemas.openxmlformats.org/presentationml/2006/main">
+  <p:cSld>
+    <p:spTree>
+      <p:nvGrpSpPr>
+        <p:cNvPr id="1" name=""/>
+        <p:cNvGrpSpPr/>
+        <p:nvPr/>
+      </p:nvGrpSpPr>
+      <p:grpSpPr>
+        <a:xfrm>
+          <a:off x="0" y="0"/>
+          <a:ext cx="0" cy="0"/>
+          <a:chOff x="0" y="0"/>
+          <a:chExt cx="0" cy="0"/>
+        </a:xfrm>
+      </p:grpSpPr>
+      <p:pic>
+        <p:nvPicPr>
+          <p:cNvPr id="4" name="Picture 3">
+            <a:extLst>
+              <a:ext uri="{FF2B5EF4-FFF2-40B4-BE49-F238E27FC236}">
+                <a16:creationId xmlns:a16="http://schemas.microsoft.com/office/drawing/2014/main" id="{2F09B1C4-95C3-1A1B-3C50-B5BC7D9DFA3F}"/>
+              </a:ext>
+            </a:extLst>
+          </p:cNvPr>
+          <p:cNvPicPr>
+            <a:picLocks noChangeAspect="1"/>
+          </p:cNvPicPr>
+          <p:nvPr/>
+        </p:nvPicPr>
+        <p:blipFill>
+          <a:blip r:embed="rId2"/>
+          <a:stretch>
+            <a:fillRect/>
+          </a:stretch>
+        </p:blipFill>
+        <p:spPr>
+          <a:xfrm>
+            <a:off x="38318" y="1536318"/>
+            <a:ext cx="9096316" cy="4430141"/>
+          </a:xfrm>
+          <a:prstGeom prst="rect">
+            <a:avLst/>
+          </a:prstGeom>
+        </p:spPr>
+      </p:pic>
+      <p:pic>
+        <p:nvPicPr>
+          <p:cNvPr id="2" name="Picture 2">
+            <a:extLst>
+              <a:ext uri="{FF2B5EF4-FFF2-40B4-BE49-F238E27FC236}">
+                <a16:creationId xmlns:a16="http://schemas.microsoft.com/office/drawing/2014/main" id="{8F4BDBA7-7902-E160-04BF-EAA02E61C52F}"/>
+              </a:ext>
+            </a:extLst>
+          </p:cNvPr>
+          <p:cNvPicPr>
+            <a:picLocks noChangeAspect="1" noChangeArrowheads="1"/>
+          </p:cNvPicPr>
+          <p:nvPr/>
+        </p:nvPicPr>
+        <p:blipFill>
+          <a:blip r:embed="rId3" cstate="print"/>
+          <a:srcRect/>
+          <a:stretch>
+            <a:fillRect/>
+          </a:stretch>
+        </p:blipFill>
+        <p:spPr bwMode="auto">
+          <a:xfrm>
+            <a:off x="484188" y="76200"/>
+            <a:ext cx="8202612" cy="239712"/>
+          </a:xfrm>
+          <a:prstGeom prst="rect">
+            <a:avLst/>
+          </a:prstGeom>
+          <a:noFill/>
+          <a:ln w="9525">
+            <a:noFill/>
+            <a:round/>
+            <a:headEnd/>
+            <a:tailEnd/>
+          </a:ln>
+        </p:spPr>
+      </p:pic>
+      <p:sp>
+        <p:nvSpPr>
+          <p:cNvPr id="3" name="Rectangle 2">
+            <a:extLst>
+              <a:ext uri="{FF2B5EF4-FFF2-40B4-BE49-F238E27FC236}">
+                <a16:creationId xmlns:a16="http://schemas.microsoft.com/office/drawing/2014/main" id="{8726CDBE-0F02-8461-CC7E-B06DBE5B51BF}"/>
+              </a:ext>
+            </a:extLst>
+          </p:cNvPr>
+          <p:cNvSpPr>
+            <a:spLocks noChangeArrowheads="1"/>
+          </p:cNvSpPr>
+          <p:nvPr/>
+        </p:nvSpPr>
+        <p:spPr bwMode="auto">
+          <a:xfrm>
+            <a:off x="103718" y="116417"/>
+            <a:ext cx="8991601" cy="1127125"/>
+          </a:xfrm>
+          <a:prstGeom prst="rect">
+            <a:avLst/>
+          </a:prstGeom>
+          <a:noFill/>
+          <a:ln w="9525">
+            <a:noFill/>
+            <a:round/>
+            <a:headEnd/>
+            <a:tailEnd/>
+          </a:ln>
+        </p:spPr>
+        <p:txBody>
+          <a:bodyPr lIns="0" tIns="0" rIns="0" bIns="0" anchor="ctr"/>
+          <a:lstStyle/>
+          <a:p>
+            <a:pPr algn="ctr">
+              <a:buClr>
+                <a:srgbClr val="000000"/>
+              </a:buClr>
+              <a:buSzPct val="100000"/>
+              <a:buFont typeface="Times New Roman" pitchFamily="18" charset="0"/>
+              <a:buNone/>
+              <a:tabLst>
+                <a:tab pos="0" algn="l"/>
+                <a:tab pos="914400" algn="l"/>
+                <a:tab pos="1828800" algn="l"/>
+                <a:tab pos="2743200" algn="l"/>
+                <a:tab pos="3657600" algn="l"/>
+                <a:tab pos="4572000" algn="l"/>
+                <a:tab pos="5486400" algn="l"/>
+                <a:tab pos="6400800" algn="l"/>
+                <a:tab pos="7315200" algn="l"/>
+                <a:tab pos="8229600" algn="l"/>
+                <a:tab pos="9144000" algn="l"/>
+                <a:tab pos="10058400" algn="l"/>
+              </a:tabLst>
+            </a:pPr>
+            <a:r>
+              <a:rPr lang="en-GB" sz="4000" dirty="0" err="1">
+                <a:solidFill>
+                  <a:srgbClr val="000000"/>
+                </a:solidFill>
+                <a:latin typeface="Times New Roman" pitchFamily="18" charset="0"/>
+              </a:rPr>
+              <a:t>Anharmonic</a:t>
+            </a:r>
+            <a:r>
+              <a:rPr lang="en-GB" sz="4000" dirty="0">
+                <a:solidFill>
+                  <a:srgbClr val="000000"/>
+                </a:solidFill>
+                <a:latin typeface="Times New Roman" pitchFamily="18" charset="0"/>
+              </a:rPr>
+              <a:t> Oscillator</a:t>
+            </a:r>
+          </a:p>
+        </p:txBody>
+      </p:sp>
+    </p:spTree>
+    <p:extLst>
+      <p:ext uri="{BB962C8B-B14F-4D97-AF65-F5344CB8AC3E}">
+        <p14:creationId xmlns:p14="http://schemas.microsoft.com/office/powerpoint/2010/main" val="1933378572"/>
+      </p:ext>
+    </p:extLst>
+  </p:cSld>
+  <p:clrMapOvr>
+    <a:masterClrMapping/>
+  </p:clrMapOvr>
+</p:sld>
+</file>
+
+<file path=ppt/slides/slide32.xml><?xml version="1.0" encoding="utf-8"?>
+<p:sld xmlns:a="http://schemas.openxmlformats.org/drawingml/2006/main" xmlns:r="http://schemas.openxmlformats.org/officeDocument/2006/relationships" xmlns:p="http://schemas.openxmlformats.org/presentationml/2006/main">
+  <p:cSld>
+    <p:spTree>
+      <p:nvGrpSpPr>
+        <p:cNvPr id="1" name=""/>
+        <p:cNvGrpSpPr/>
+        <p:nvPr/>
+      </p:nvGrpSpPr>
+      <p:grpSpPr>
+        <a:xfrm>
+          <a:off x="0" y="0"/>
+          <a:ext cx="0" cy="0"/>
+          <a:chOff x="0" y="0"/>
+          <a:chExt cx="0" cy="0"/>
+        </a:xfrm>
+      </p:grpSpPr>
+      <p:pic>
+        <p:nvPicPr>
+          <p:cNvPr id="4" name="Picture 3">
+            <a:extLst>
+              <a:ext uri="{FF2B5EF4-FFF2-40B4-BE49-F238E27FC236}">
+                <a16:creationId xmlns:a16="http://schemas.microsoft.com/office/drawing/2014/main" id="{574734E2-D631-01FF-09F0-EC38BC9FF364}"/>
+              </a:ext>
+            </a:extLst>
+          </p:cNvPr>
+          <p:cNvPicPr>
+            <a:picLocks noChangeAspect="1"/>
+          </p:cNvPicPr>
+          <p:nvPr/>
+        </p:nvPicPr>
+        <p:blipFill>
+          <a:blip r:embed="rId2"/>
+          <a:stretch>
+            <a:fillRect/>
+          </a:stretch>
+        </p:blipFill>
+        <p:spPr>
+          <a:xfrm>
+            <a:off x="45720" y="1536320"/>
+            <a:ext cx="9087188" cy="4425696"/>
+          </a:xfrm>
+          <a:prstGeom prst="rect">
+            <a:avLst/>
+          </a:prstGeom>
+        </p:spPr>
+      </p:pic>
+      <p:sp>
+        <p:nvSpPr>
+          <p:cNvPr id="6" name="Rectangle 5">
+            <a:extLst>
+              <a:ext uri="{FF2B5EF4-FFF2-40B4-BE49-F238E27FC236}">
+                <a16:creationId xmlns:a16="http://schemas.microsoft.com/office/drawing/2014/main" id="{136ACC7C-D50F-F1E4-896F-10F1D048B883}"/>
+              </a:ext>
+            </a:extLst>
+          </p:cNvPr>
+          <p:cNvSpPr/>
+          <p:nvPr/>
+        </p:nvSpPr>
+        <p:spPr>
+          <a:xfrm>
+            <a:off x="576898" y="2434590"/>
+            <a:ext cx="8518421" cy="268731"/>
+          </a:xfrm>
+          <a:prstGeom prst="rect">
+            <a:avLst/>
+          </a:prstGeom>
+          <a:noFill/>
+          <a:ln w="41275"/>
+        </p:spPr>
+        <p:style>
+          <a:lnRef idx="1">
+            <a:schemeClr val="accent1"/>
+          </a:lnRef>
+          <a:fillRef idx="3">
+            <a:schemeClr val="accent1"/>
+          </a:fillRef>
+          <a:effectRef idx="2">
+            <a:schemeClr val="accent1"/>
+          </a:effectRef>
+          <a:fontRef idx="minor">
+            <a:schemeClr val="lt1"/>
+          </a:fontRef>
+        </p:style>
+        <p:txBody>
+          <a:bodyPr rtlCol="0" anchor="ctr"/>
+          <a:lstStyle/>
+          <a:p>
+            <a:pPr algn="ctr"/>
+            <a:endParaRPr lang="en-US" dirty="0"/>
+          </a:p>
+        </p:txBody>
+      </p:sp>
+      <p:pic>
+        <p:nvPicPr>
+          <p:cNvPr id="7" name="Picture 6">
+            <a:extLst>
+              <a:ext uri="{FF2B5EF4-FFF2-40B4-BE49-F238E27FC236}">
+                <a16:creationId xmlns:a16="http://schemas.microsoft.com/office/drawing/2014/main" id="{0C11A271-6F49-05EC-512B-E9D883F7F51B}"/>
+              </a:ext>
+            </a:extLst>
+          </p:cNvPr>
+          <p:cNvPicPr>
+            <a:picLocks noChangeAspect="1"/>
+          </p:cNvPicPr>
+          <p:nvPr/>
+        </p:nvPicPr>
+        <p:blipFill>
+          <a:blip r:embed="rId3"/>
+          <a:stretch>
+            <a:fillRect/>
+          </a:stretch>
+        </p:blipFill>
+        <p:spPr>
+          <a:xfrm>
+            <a:off x="3469845" y="1102272"/>
+            <a:ext cx="5664221" cy="5543061"/>
+          </a:xfrm>
+          <a:prstGeom prst="rect">
+            <a:avLst/>
+          </a:prstGeom>
+        </p:spPr>
+      </p:pic>
+      <p:pic>
+        <p:nvPicPr>
+          <p:cNvPr id="8" name="Picture 7">
+            <a:extLst>
+              <a:ext uri="{FF2B5EF4-FFF2-40B4-BE49-F238E27FC236}">
+                <a16:creationId xmlns:a16="http://schemas.microsoft.com/office/drawing/2014/main" id="{F983A9AC-A54A-73EF-518B-431E967D88BA}"/>
+              </a:ext>
+            </a:extLst>
+          </p:cNvPr>
+          <p:cNvPicPr>
+            <a:picLocks noChangeAspect="1" noChangeArrowheads="1"/>
+          </p:cNvPicPr>
+          <p:nvPr/>
+        </p:nvPicPr>
+        <p:blipFill>
+          <a:blip r:embed="rId4" cstate="print"/>
+          <a:srcRect/>
+          <a:stretch>
+            <a:fillRect/>
+          </a:stretch>
+        </p:blipFill>
+        <p:spPr bwMode="auto">
+          <a:xfrm>
+            <a:off x="484188" y="76200"/>
+            <a:ext cx="8202612" cy="239712"/>
+          </a:xfrm>
+          <a:prstGeom prst="rect">
+            <a:avLst/>
+          </a:prstGeom>
+          <a:noFill/>
+          <a:ln w="9525">
+            <a:noFill/>
+            <a:round/>
+            <a:headEnd/>
+            <a:tailEnd/>
+          </a:ln>
+        </p:spPr>
+      </p:pic>
+      <p:sp>
+        <p:nvSpPr>
+          <p:cNvPr id="9" name="Rectangle 8">
+            <a:extLst>
+              <a:ext uri="{FF2B5EF4-FFF2-40B4-BE49-F238E27FC236}">
+                <a16:creationId xmlns:a16="http://schemas.microsoft.com/office/drawing/2014/main" id="{4EEA2521-B00F-46A5-5463-7BC83D7FE55E}"/>
+              </a:ext>
+            </a:extLst>
+          </p:cNvPr>
+          <p:cNvSpPr>
+            <a:spLocks noChangeArrowheads="1"/>
+          </p:cNvSpPr>
+          <p:nvPr/>
+        </p:nvSpPr>
+        <p:spPr bwMode="auto">
+          <a:xfrm>
+            <a:off x="103718" y="116417"/>
+            <a:ext cx="8991601" cy="1127125"/>
+          </a:xfrm>
+          <a:prstGeom prst="rect">
+            <a:avLst/>
+          </a:prstGeom>
+          <a:noFill/>
+          <a:ln w="9525">
+            <a:noFill/>
+            <a:round/>
+            <a:headEnd/>
+            <a:tailEnd/>
+          </a:ln>
+        </p:spPr>
+        <p:txBody>
+          <a:bodyPr lIns="0" tIns="0" rIns="0" bIns="0" anchor="ctr"/>
+          <a:lstStyle/>
+          <a:p>
+            <a:pPr algn="ctr">
+              <a:buClr>
+                <a:srgbClr val="000000"/>
+              </a:buClr>
+              <a:buSzPct val="100000"/>
+              <a:buFont typeface="Times New Roman" pitchFamily="18" charset="0"/>
+              <a:buNone/>
+              <a:tabLst>
+                <a:tab pos="0" algn="l"/>
+                <a:tab pos="914400" algn="l"/>
+                <a:tab pos="1828800" algn="l"/>
+                <a:tab pos="2743200" algn="l"/>
+                <a:tab pos="3657600" algn="l"/>
+                <a:tab pos="4572000" algn="l"/>
+                <a:tab pos="5486400" algn="l"/>
+                <a:tab pos="6400800" algn="l"/>
+                <a:tab pos="7315200" algn="l"/>
+                <a:tab pos="8229600" algn="l"/>
+                <a:tab pos="9144000" algn="l"/>
+                <a:tab pos="10058400" algn="l"/>
+              </a:tabLst>
+            </a:pPr>
+            <a:r>
+              <a:rPr lang="en-GB" sz="4000" dirty="0" err="1">
+                <a:solidFill>
+                  <a:srgbClr val="000000"/>
+                </a:solidFill>
+                <a:latin typeface="Times New Roman" pitchFamily="18" charset="0"/>
+              </a:rPr>
+              <a:t>Anharmonic</a:t>
+            </a:r>
+            <a:r>
+              <a:rPr lang="en-GB" sz="4000" dirty="0">
+                <a:solidFill>
+                  <a:srgbClr val="000000"/>
+                </a:solidFill>
+                <a:latin typeface="Times New Roman" pitchFamily="18" charset="0"/>
+              </a:rPr>
+              <a:t> Oscillator</a:t>
+            </a:r>
+          </a:p>
+        </p:txBody>
+      </p:sp>
+      <p:sp>
+        <p:nvSpPr>
+          <p:cNvPr id="10" name="Curved Up Arrow 9">
+            <a:extLst>
+              <a:ext uri="{FF2B5EF4-FFF2-40B4-BE49-F238E27FC236}">
+                <a16:creationId xmlns:a16="http://schemas.microsoft.com/office/drawing/2014/main" id="{1F347D54-CA55-567B-32B2-89EC76AE53DA}"/>
+              </a:ext>
+            </a:extLst>
+          </p:cNvPr>
+          <p:cNvSpPr/>
+          <p:nvPr/>
+        </p:nvSpPr>
+        <p:spPr>
+          <a:xfrm rot="2077009">
+            <a:off x="1920098" y="3294586"/>
+            <a:ext cx="2205412" cy="302583"/>
+          </a:xfrm>
+          <a:prstGeom prst="curvedUpArrow">
+            <a:avLst>
+              <a:gd name="adj1" fmla="val 25000"/>
+              <a:gd name="adj2" fmla="val 40587"/>
+              <a:gd name="adj3" fmla="val 25000"/>
+            </a:avLst>
+          </a:prstGeom>
+        </p:spPr>
+        <p:style>
+          <a:lnRef idx="1">
+            <a:schemeClr val="accent1"/>
+          </a:lnRef>
+          <a:fillRef idx="3">
+            <a:schemeClr val="accent1"/>
+          </a:fillRef>
+          <a:effectRef idx="2">
+            <a:schemeClr val="accent1"/>
+          </a:effectRef>
+          <a:fontRef idx="minor">
+            <a:schemeClr val="lt1"/>
+          </a:fontRef>
+        </p:style>
+        <p:txBody>
+          <a:bodyPr rtlCol="0" anchor="ctr"/>
+          <a:lstStyle/>
+          <a:p>
+            <a:pPr algn="ctr"/>
+            <a:endParaRPr lang="en-US">
+              <a:solidFill>
+                <a:schemeClr val="tx1"/>
+              </a:solidFill>
+            </a:endParaRPr>
+          </a:p>
+        </p:txBody>
+      </p:sp>
+    </p:spTree>
+    <p:extLst>
+      <p:ext uri="{BB962C8B-B14F-4D97-AF65-F5344CB8AC3E}">
+        <p14:creationId xmlns:p14="http://schemas.microsoft.com/office/powerpoint/2010/main" val="2116481589"/>
+      </p:ext>
+    </p:extLst>
+  </p:cSld>
+  <p:clrMapOvr>
+    <a:masterClrMapping/>
+  </p:clrMapOvr>
+  <p:timing>
+    <p:tnLst>
+      <p:par>
+        <p:cTn id="1" dur="indefinite" restart="never" nodeType="tmRoot">
+          <p:childTnLst>
+            <p:seq concurrent="1" nextAc="seek">
+              <p:cTn id="2" dur="indefinite" nodeType="mainSeq">
+                <p:childTnLst>
+                  <p:par>
+                    <p:cTn id="3" fill="hold">
+                      <p:stCondLst>
+                        <p:cond delay="indefinite"/>
+                      </p:stCondLst>
+                      <p:childTnLst>
+                        <p:par>
+                          <p:cTn id="4" fill="hold">
+                            <p:stCondLst>
+                              <p:cond delay="0"/>
+                            </p:stCondLst>
+                            <p:childTnLst>
+                              <p:par>
+                                <p:cTn id="5" presetID="2" presetClass="entr" presetSubtype="4" fill="hold" grpId="0" nodeType="clickEffect">
+                                  <p:stCondLst>
+                                    <p:cond delay="0"/>
+                                  </p:stCondLst>
+                                  <p:childTnLst>
+                                    <p:set>
+                                      <p:cBhvr>
+                                        <p:cTn id="6" dur="1" fill="hold">
+                                          <p:stCondLst>
+                                            <p:cond delay="0"/>
+                                          </p:stCondLst>
+                                        </p:cTn>
+                                        <p:tgtEl>
+                                          <p:spTgt spid="6"/>
+                                        </p:tgtEl>
+                                        <p:attrNameLst>
+                                          <p:attrName>style.visibility</p:attrName>
+                                        </p:attrNameLst>
+                                      </p:cBhvr>
+                                      <p:to>
+                                        <p:strVal val="visible"/>
+                                      </p:to>
+                                    </p:set>
+                                    <p:anim calcmode="lin" valueType="num">
+                                      <p:cBhvr additive="base">
+                                        <p:cTn id="7" dur="500" fill="hold"/>
+                                        <p:tgtEl>
+                                          <p:spTgt spid="6"/>
+                                        </p:tgtEl>
+                                        <p:attrNameLst>
+                                          <p:attrName>ppt_x</p:attrName>
+                                        </p:attrNameLst>
+                                      </p:cBhvr>
+                                      <p:tavLst>
+                                        <p:tav tm="0">
+                                          <p:val>
+                                            <p:strVal val="#ppt_x"/>
+                                          </p:val>
+                                        </p:tav>
+                                        <p:tav tm="100000">
+                                          <p:val>
+                                            <p:strVal val="#ppt_x"/>
+                                          </p:val>
+                                        </p:tav>
+                                      </p:tavLst>
+                                    </p:anim>
+                                    <p:anim calcmode="lin" valueType="num">
+                                      <p:cBhvr additive="base">
+                                        <p:cTn id="8" dur="500" fill="hold"/>
+                                        <p:tgtEl>
+                                          <p:spTgt spid="6"/>
+                                        </p:tgtEl>
+                                        <p:attrNameLst>
+                                          <p:attrName>ppt_y</p:attrName>
+                                        </p:attrNameLst>
+                                      </p:cBhvr>
+                                      <p:tavLst>
+                                        <p:tav tm="0">
+                                          <p:val>
+                                            <p:strVal val="1+#ppt_h/2"/>
+                                          </p:val>
+                                        </p:tav>
+                                        <p:tav tm="100000">
+                                          <p:val>
+                                            <p:strVal val="#ppt_y"/>
+                                          </p:val>
+                                        </p:tav>
+                                      </p:tavLst>
+                                    </p:anim>
+                                  </p:childTnLst>
+                                </p:cTn>
+                              </p:par>
+                            </p:childTnLst>
+                          </p:cTn>
+                        </p:par>
+                      </p:childTnLst>
+                    </p:cTn>
+                  </p:par>
+                  <p:par>
+                    <p:cTn id="9" fill="hold">
+                      <p:stCondLst>
+                        <p:cond delay="indefinite"/>
+                      </p:stCondLst>
+                      <p:childTnLst>
+                        <p:par>
+                          <p:cTn id="10" fill="hold">
+                            <p:stCondLst>
+                              <p:cond delay="0"/>
+                            </p:stCondLst>
+                            <p:childTnLst>
+                              <p:par>
+                                <p:cTn id="11" presetID="2" presetClass="entr" presetSubtype="4" fill="hold" grpId="0" nodeType="clickEffect">
+                                  <p:stCondLst>
+                                    <p:cond delay="0"/>
+                                  </p:stCondLst>
+                                  <p:childTnLst>
+                                    <p:set>
+                                      <p:cBhvr>
+                                        <p:cTn id="12" dur="1" fill="hold">
+                                          <p:stCondLst>
+                                            <p:cond delay="0"/>
+                                          </p:stCondLst>
+                                        </p:cTn>
+                                        <p:tgtEl>
+                                          <p:spTgt spid="10"/>
+                                        </p:tgtEl>
+                                        <p:attrNameLst>
+                                          <p:attrName>style.visibility</p:attrName>
+                                        </p:attrNameLst>
+                                      </p:cBhvr>
+                                      <p:to>
+                                        <p:strVal val="visible"/>
+                                      </p:to>
+                                    </p:set>
+                                    <p:anim calcmode="lin" valueType="num">
+                                      <p:cBhvr additive="base">
+                                        <p:cTn id="13" dur="500" fill="hold"/>
+                                        <p:tgtEl>
+                                          <p:spTgt spid="10"/>
+                                        </p:tgtEl>
+                                        <p:attrNameLst>
+                                          <p:attrName>ppt_x</p:attrName>
+                                        </p:attrNameLst>
+                                      </p:cBhvr>
+                                      <p:tavLst>
+                                        <p:tav tm="0">
+                                          <p:val>
+                                            <p:strVal val="#ppt_x"/>
+                                          </p:val>
+                                        </p:tav>
+                                        <p:tav tm="100000">
+                                          <p:val>
+                                            <p:strVal val="#ppt_x"/>
+                                          </p:val>
+                                        </p:tav>
+                                      </p:tavLst>
+                                    </p:anim>
+                                    <p:anim calcmode="lin" valueType="num">
+                                      <p:cBhvr additive="base">
+                                        <p:cTn id="14" dur="500" fill="hold"/>
+                                        <p:tgtEl>
+                                          <p:spTgt spid="10"/>
+                                        </p:tgtEl>
+                                        <p:attrNameLst>
+                                          <p:attrName>ppt_y</p:attrName>
+                                        </p:attrNameLst>
+                                      </p:cBhvr>
+                                      <p:tavLst>
+                                        <p:tav tm="0">
+                                          <p:val>
+                                            <p:strVal val="1+#ppt_h/2"/>
+                                          </p:val>
+                                        </p:tav>
+                                        <p:tav tm="100000">
+                                          <p:val>
+                                            <p:strVal val="#ppt_y"/>
+                                          </p:val>
+                                        </p:tav>
+                                      </p:tavLst>
+                                    </p:anim>
+                                  </p:childTnLst>
+                                </p:cTn>
+                              </p:par>
+                              <p:par>
+                                <p:cTn id="15" presetID="2" presetClass="entr" presetSubtype="4" fill="hold" nodeType="withEffect">
+                                  <p:stCondLst>
+                                    <p:cond delay="0"/>
+                                  </p:stCondLst>
+                                  <p:childTnLst>
+                                    <p:set>
+                                      <p:cBhvr>
+                                        <p:cTn id="16" dur="1" fill="hold">
+                                          <p:stCondLst>
+                                            <p:cond delay="0"/>
+                                          </p:stCondLst>
+                                        </p:cTn>
+                                        <p:tgtEl>
+                                          <p:spTgt spid="7"/>
+                                        </p:tgtEl>
+                                        <p:attrNameLst>
+                                          <p:attrName>style.visibility</p:attrName>
+                                        </p:attrNameLst>
+                                      </p:cBhvr>
+                                      <p:to>
+                                        <p:strVal val="visible"/>
+                                      </p:to>
+                                    </p:set>
+                                    <p:anim calcmode="lin" valueType="num">
+                                      <p:cBhvr additive="base">
+                                        <p:cTn id="17" dur="500" fill="hold"/>
+                                        <p:tgtEl>
+                                          <p:spTgt spid="7"/>
+                                        </p:tgtEl>
+                                        <p:attrNameLst>
+                                          <p:attrName>ppt_x</p:attrName>
+                                        </p:attrNameLst>
+                                      </p:cBhvr>
+                                      <p:tavLst>
+                                        <p:tav tm="0">
+                                          <p:val>
+                                            <p:strVal val="#ppt_x"/>
+                                          </p:val>
+                                        </p:tav>
+                                        <p:tav tm="100000">
+                                          <p:val>
+                                            <p:strVal val="#ppt_x"/>
+                                          </p:val>
+                                        </p:tav>
+                                      </p:tavLst>
+                                    </p:anim>
+                                    <p:anim calcmode="lin" valueType="num">
+                                      <p:cBhvr additive="base">
+                                        <p:cTn id="18" dur="500" fill="hold"/>
+                                        <p:tgtEl>
+                                          <p:spTgt spid="7"/>
+                                        </p:tgtEl>
+                                        <p:attrNameLst>
+                                          <p:attrName>ppt_y</p:attrName>
+                                        </p:attrNameLst>
+                                      </p:cBhvr>
+                                      <p:tavLst>
+                                        <p:tav tm="0">
+                                          <p:val>
+                                            <p:strVal val="1+#ppt_h/2"/>
+                                          </p:val>
+                                        </p:tav>
+                                        <p:tav tm="100000">
+                                          <p:val>
+                                            <p:strVal val="#ppt_y"/>
+                                          </p:val>
+                                        </p:tav>
+                                      </p:tavLst>
+                                    </p:anim>
+                                  </p:childTnLst>
+                                </p:cTn>
+                              </p:par>
+                            </p:childTnLst>
+                          </p:cTn>
+                        </p:par>
+                      </p:childTnLst>
+                    </p:cTn>
+                  </p:par>
+                </p:childTnLst>
+              </p:cTn>
+              <p:prevCondLst>
+                <p:cond evt="onPrev" delay="0">
+                  <p:tgtEl>
+                    <p:sldTgt/>
+                  </p:tgtEl>
+                </p:cond>
+              </p:prevCondLst>
+              <p:nextCondLst>
+                <p:cond evt="onNext" delay="0">
+                  <p:tgtEl>
+                    <p:sldTgt/>
+                  </p:tgtEl>
+                </p:cond>
+              </p:nextCondLst>
+            </p:seq>
+          </p:childTnLst>
+        </p:cTn>
+      </p:par>
+    </p:tnLst>
+    <p:bldLst>
+      <p:bldP spid="6" grpId="0" animBg="1"/>
+      <p:bldP spid="10" grpId="0" animBg="1"/>
+    </p:bldLst>
+  </p:timing>
+</p:sld>
+</file>
+
+<file path=ppt/slides/slide33.xml><?xml version="1.0" encoding="utf-8"?>
+<p:sld xmlns:a="http://schemas.openxmlformats.org/drawingml/2006/main" xmlns:r="http://schemas.openxmlformats.org/officeDocument/2006/relationships" xmlns:p="http://schemas.openxmlformats.org/presentationml/2006/main">
+  <p:cSld>
+    <p:spTree>
+      <p:nvGrpSpPr>
+        <p:cNvPr id="1" name=""/>
+        <p:cNvGrpSpPr/>
+        <p:nvPr/>
+      </p:nvGrpSpPr>
+      <p:grpSpPr>
+        <a:xfrm>
+          <a:off x="0" y="0"/>
+          <a:ext cx="0" cy="0"/>
+          <a:chOff x="0" y="0"/>
+          <a:chExt cx="0" cy="0"/>
+        </a:xfrm>
+      </p:grpSpPr>
+      <p:pic>
+        <p:nvPicPr>
+          <p:cNvPr id="4" name="Picture 3">
+            <a:extLst>
+              <a:ext uri="{FF2B5EF4-FFF2-40B4-BE49-F238E27FC236}">
+                <a16:creationId xmlns:a16="http://schemas.microsoft.com/office/drawing/2014/main" id="{69070387-C22B-7479-E705-1CD4418D9F86}"/>
+              </a:ext>
+            </a:extLst>
+          </p:cNvPr>
+          <p:cNvPicPr>
+            <a:picLocks noChangeAspect="1"/>
+          </p:cNvPicPr>
+          <p:nvPr/>
+        </p:nvPicPr>
+        <p:blipFill rotWithShape="1">
+          <a:blip r:embed="rId2"/>
+          <a:srcRect l="11286" t="3057" r="2625" b="12003"/>
+          <a:stretch/>
+        </p:blipFill>
+        <p:spPr>
+          <a:xfrm>
+            <a:off x="82062" y="2297726"/>
+            <a:ext cx="3845170" cy="3868608"/>
+          </a:xfrm>
+          <a:prstGeom prst="rect">
+            <a:avLst/>
+          </a:prstGeom>
+        </p:spPr>
+      </p:pic>
+      <p:pic>
+        <p:nvPicPr>
+          <p:cNvPr id="5" name="Picture 4">
+            <a:extLst>
+              <a:ext uri="{FF2B5EF4-FFF2-40B4-BE49-F238E27FC236}">
+                <a16:creationId xmlns:a16="http://schemas.microsoft.com/office/drawing/2014/main" id="{80B5C403-6010-C9C1-CFCA-C005E4EF7E04}"/>
+              </a:ext>
+            </a:extLst>
+          </p:cNvPr>
+          <p:cNvPicPr>
+            <a:picLocks noChangeAspect="1"/>
+          </p:cNvPicPr>
+          <p:nvPr/>
+        </p:nvPicPr>
+        <p:blipFill rotWithShape="1">
+          <a:blip r:embed="rId3"/>
+          <a:srcRect l="5934" t="13831" r="39496" b="12213"/>
+          <a:stretch/>
+        </p:blipFill>
+        <p:spPr>
+          <a:xfrm>
+            <a:off x="4149969" y="2100779"/>
+            <a:ext cx="4958861" cy="4229678"/>
+          </a:xfrm>
+          <a:prstGeom prst="rect">
+            <a:avLst/>
+          </a:prstGeom>
+        </p:spPr>
+      </p:pic>
+      <p:pic>
+        <p:nvPicPr>
+          <p:cNvPr id="6" name="Picture 5">
+            <a:extLst>
+              <a:ext uri="{FF2B5EF4-FFF2-40B4-BE49-F238E27FC236}">
+                <a16:creationId xmlns:a16="http://schemas.microsoft.com/office/drawing/2014/main" id="{D6B07621-0020-82CD-482F-90B9993C0894}"/>
+              </a:ext>
+            </a:extLst>
+          </p:cNvPr>
+          <p:cNvPicPr>
+            <a:picLocks noChangeAspect="1"/>
+          </p:cNvPicPr>
+          <p:nvPr/>
+        </p:nvPicPr>
+        <p:blipFill rotWithShape="1">
+          <a:blip r:embed="rId4"/>
+          <a:srcRect l="12008" t="20721" r="4170" b="58024"/>
+          <a:stretch/>
+        </p:blipFill>
+        <p:spPr>
+          <a:xfrm>
+            <a:off x="4138247" y="890957"/>
+            <a:ext cx="4923692" cy="1125414"/>
+          </a:xfrm>
+          <a:prstGeom prst="rect">
+            <a:avLst/>
+          </a:prstGeom>
+        </p:spPr>
+      </p:pic>
+      <p:pic>
+        <p:nvPicPr>
+          <p:cNvPr id="8" name="Picture 7">
+            <a:extLst>
+              <a:ext uri="{FF2B5EF4-FFF2-40B4-BE49-F238E27FC236}">
+                <a16:creationId xmlns:a16="http://schemas.microsoft.com/office/drawing/2014/main" id="{EA4D70F4-2ED2-1D5C-9807-FCC8E9563EED}"/>
+              </a:ext>
+            </a:extLst>
+          </p:cNvPr>
+          <p:cNvPicPr>
+            <a:picLocks noChangeAspect="1" noChangeArrowheads="1"/>
+          </p:cNvPicPr>
+          <p:nvPr/>
+        </p:nvPicPr>
+        <p:blipFill>
+          <a:blip r:embed="rId5" cstate="print"/>
+          <a:srcRect/>
+          <a:stretch>
+            <a:fillRect/>
+          </a:stretch>
+        </p:blipFill>
+        <p:spPr bwMode="auto">
+          <a:xfrm>
+            <a:off x="484188" y="76200"/>
+            <a:ext cx="8202612" cy="239712"/>
+          </a:xfrm>
+          <a:prstGeom prst="rect">
+            <a:avLst/>
+          </a:prstGeom>
+          <a:noFill/>
+          <a:ln w="9525">
+            <a:noFill/>
+            <a:round/>
+            <a:headEnd/>
+            <a:tailEnd/>
+          </a:ln>
+        </p:spPr>
+      </p:pic>
+      <p:sp>
+        <p:nvSpPr>
+          <p:cNvPr id="9" name="Rectangle 8">
+            <a:extLst>
+              <a:ext uri="{FF2B5EF4-FFF2-40B4-BE49-F238E27FC236}">
+                <a16:creationId xmlns:a16="http://schemas.microsoft.com/office/drawing/2014/main" id="{F1013D4B-9CF5-6C98-F906-6A3F0A9116E6}"/>
+              </a:ext>
+            </a:extLst>
+          </p:cNvPr>
+          <p:cNvSpPr>
+            <a:spLocks noChangeArrowheads="1"/>
+          </p:cNvSpPr>
+          <p:nvPr/>
+        </p:nvSpPr>
+        <p:spPr bwMode="auto">
+          <a:xfrm>
+            <a:off x="103718" y="163309"/>
+            <a:ext cx="8991601" cy="645583"/>
+          </a:xfrm>
+          <a:prstGeom prst="rect">
+            <a:avLst/>
+          </a:prstGeom>
+          <a:noFill/>
+          <a:ln w="9525">
+            <a:noFill/>
+            <a:round/>
+            <a:headEnd/>
+            <a:tailEnd/>
+          </a:ln>
+        </p:spPr>
+        <p:txBody>
+          <a:bodyPr lIns="0" tIns="0" rIns="0" bIns="0" anchor="ctr"/>
+          <a:lstStyle/>
+          <a:p>
+            <a:pPr algn="ctr">
+              <a:buClr>
+                <a:srgbClr val="000000"/>
+              </a:buClr>
+              <a:buSzPct val="100000"/>
+              <a:buFont typeface="Times New Roman" pitchFamily="18" charset="0"/>
+              <a:buNone/>
+              <a:tabLst>
+                <a:tab pos="0" algn="l"/>
+                <a:tab pos="914400" algn="l"/>
+                <a:tab pos="1828800" algn="l"/>
+                <a:tab pos="2743200" algn="l"/>
+                <a:tab pos="3657600" algn="l"/>
+                <a:tab pos="4572000" algn="l"/>
+                <a:tab pos="5486400" algn="l"/>
+                <a:tab pos="6400800" algn="l"/>
+                <a:tab pos="7315200" algn="l"/>
+                <a:tab pos="8229600" algn="l"/>
+                <a:tab pos="9144000" algn="l"/>
+                <a:tab pos="10058400" algn="l"/>
+              </a:tabLst>
+            </a:pPr>
+            <a:r>
+              <a:rPr lang="en-GB" sz="3600" dirty="0">
+                <a:solidFill>
+                  <a:srgbClr val="000000"/>
+                </a:solidFill>
+                <a:latin typeface="Times New Roman" pitchFamily="18" charset="0"/>
+              </a:rPr>
+              <a:t>Comparison</a:t>
+            </a:r>
+          </a:p>
+        </p:txBody>
+      </p:sp>
+      <p:pic>
+        <p:nvPicPr>
+          <p:cNvPr id="11" name="Picture 10">
+            <a:extLst>
+              <a:ext uri="{FF2B5EF4-FFF2-40B4-BE49-F238E27FC236}">
+                <a16:creationId xmlns:a16="http://schemas.microsoft.com/office/drawing/2014/main" id="{0C9A526B-87FC-319F-6F4F-9E8927B08CE8}"/>
+              </a:ext>
+            </a:extLst>
+          </p:cNvPr>
+          <p:cNvPicPr>
+            <a:picLocks noChangeAspect="1"/>
+          </p:cNvPicPr>
+          <p:nvPr/>
+        </p:nvPicPr>
+        <p:blipFill>
+          <a:blip r:embed="rId6"/>
+          <a:stretch>
+            <a:fillRect/>
+          </a:stretch>
+        </p:blipFill>
+        <p:spPr>
+          <a:xfrm>
+            <a:off x="103718" y="1106929"/>
+            <a:ext cx="3845171" cy="885995"/>
+          </a:xfrm>
+          <a:prstGeom prst="rect">
+            <a:avLst/>
+          </a:prstGeom>
+        </p:spPr>
+      </p:pic>
+      <p:sp>
+        <p:nvSpPr>
+          <p:cNvPr id="13" name="TextBox 12">
+            <a:extLst>
+              <a:ext uri="{FF2B5EF4-FFF2-40B4-BE49-F238E27FC236}">
+                <a16:creationId xmlns:a16="http://schemas.microsoft.com/office/drawing/2014/main" id="{200F9DCC-243A-46C2-E293-A82C27374C0F}"/>
+              </a:ext>
+            </a:extLst>
+          </p:cNvPr>
+          <p:cNvSpPr txBox="1"/>
+          <p:nvPr/>
+        </p:nvSpPr>
+        <p:spPr>
+          <a:xfrm>
+            <a:off x="967150" y="6448806"/>
+            <a:ext cx="2180493" cy="369332"/>
+          </a:xfrm>
+          <a:prstGeom prst="rect">
+            <a:avLst/>
+          </a:prstGeom>
+          <a:noFill/>
+        </p:spPr>
+        <p:txBody>
+          <a:bodyPr wrap="square">
+            <a:spAutoFit/>
+          </a:bodyPr>
+          <a:lstStyle/>
+          <a:p>
+            <a:r>
+              <a:rPr lang="en-GB" sz="1800" dirty="0">
+                <a:solidFill>
+                  <a:srgbClr val="000000"/>
+                </a:solidFill>
+                <a:latin typeface="Times New Roman" pitchFamily="18" charset="0"/>
+              </a:rPr>
+              <a:t>Harmonic Oscillator</a:t>
+            </a:r>
+            <a:endParaRPr lang="en-US" dirty="0"/>
+          </a:p>
+        </p:txBody>
+      </p:sp>
+      <p:sp>
+        <p:nvSpPr>
+          <p:cNvPr id="14" name="TextBox 13">
+            <a:extLst>
+              <a:ext uri="{FF2B5EF4-FFF2-40B4-BE49-F238E27FC236}">
+                <a16:creationId xmlns:a16="http://schemas.microsoft.com/office/drawing/2014/main" id="{05A6B176-E17A-9BB9-A1A2-D360BADD01DA}"/>
+              </a:ext>
+            </a:extLst>
+          </p:cNvPr>
+          <p:cNvSpPr txBox="1"/>
+          <p:nvPr/>
+        </p:nvSpPr>
+        <p:spPr>
+          <a:xfrm>
+            <a:off x="5539152" y="6448806"/>
+            <a:ext cx="2455986" cy="369332"/>
+          </a:xfrm>
+          <a:prstGeom prst="rect">
+            <a:avLst/>
+          </a:prstGeom>
+          <a:noFill/>
+        </p:spPr>
+        <p:txBody>
+          <a:bodyPr wrap="square">
+            <a:spAutoFit/>
+          </a:bodyPr>
+          <a:lstStyle/>
+          <a:p>
+            <a:r>
+              <a:rPr lang="en-GB" sz="1800" dirty="0">
+                <a:solidFill>
+                  <a:srgbClr val="000000"/>
+                </a:solidFill>
+                <a:latin typeface="Times New Roman" pitchFamily="18" charset="0"/>
+              </a:rPr>
+              <a:t>Anharmonic Oscillator</a:t>
+            </a:r>
+            <a:endParaRPr lang="en-US" dirty="0"/>
+          </a:p>
+        </p:txBody>
+      </p:sp>
+      <p:sp>
+        <p:nvSpPr>
+          <p:cNvPr id="15" name="Rectangle 14">
+            <a:extLst>
+              <a:ext uri="{FF2B5EF4-FFF2-40B4-BE49-F238E27FC236}">
+                <a16:creationId xmlns:a16="http://schemas.microsoft.com/office/drawing/2014/main" id="{0F0FBAD0-7A29-6D03-3298-553451DD21C6}"/>
+              </a:ext>
+            </a:extLst>
+          </p:cNvPr>
+          <p:cNvSpPr/>
+          <p:nvPr/>
+        </p:nvSpPr>
+        <p:spPr>
+          <a:xfrm>
+            <a:off x="58616" y="2543908"/>
+            <a:ext cx="3913719" cy="410308"/>
+          </a:xfrm>
+          <a:prstGeom prst="rect">
+            <a:avLst/>
+          </a:prstGeom>
+          <a:noFill/>
+          <a:ln w="41275"/>
+        </p:spPr>
+        <p:style>
+          <a:lnRef idx="1">
+            <a:schemeClr val="accent1"/>
+          </a:lnRef>
+          <a:fillRef idx="3">
+            <a:schemeClr val="accent1"/>
+          </a:fillRef>
+          <a:effectRef idx="2">
+            <a:schemeClr val="accent1"/>
+          </a:effectRef>
+          <a:fontRef idx="minor">
+            <a:schemeClr val="lt1"/>
+          </a:fontRef>
+        </p:style>
+        <p:txBody>
+          <a:bodyPr rtlCol="0" anchor="ctr"/>
+          <a:lstStyle/>
+          <a:p>
+            <a:pPr algn="ctr"/>
+            <a:endParaRPr lang="en-US" dirty="0"/>
+          </a:p>
+        </p:txBody>
+      </p:sp>
+      <p:sp>
+        <p:nvSpPr>
+          <p:cNvPr id="16" name="Rectangle 15">
+            <a:extLst>
+              <a:ext uri="{FF2B5EF4-FFF2-40B4-BE49-F238E27FC236}">
+                <a16:creationId xmlns:a16="http://schemas.microsoft.com/office/drawing/2014/main" id="{5C5CC35C-598F-163E-0D3D-DF7C0B8ADE51}"/>
+              </a:ext>
+            </a:extLst>
+          </p:cNvPr>
+          <p:cNvSpPr/>
+          <p:nvPr/>
+        </p:nvSpPr>
+        <p:spPr>
+          <a:xfrm>
+            <a:off x="4114802" y="2543908"/>
+            <a:ext cx="4994028" cy="211015"/>
+          </a:xfrm>
+          <a:prstGeom prst="rect">
+            <a:avLst/>
+          </a:prstGeom>
+          <a:noFill/>
+          <a:ln w="41275"/>
+        </p:spPr>
+        <p:style>
+          <a:lnRef idx="1">
+            <a:schemeClr val="accent1"/>
+          </a:lnRef>
+          <a:fillRef idx="3">
+            <a:schemeClr val="accent1"/>
+          </a:fillRef>
+          <a:effectRef idx="2">
+            <a:schemeClr val="accent1"/>
+          </a:effectRef>
+          <a:fontRef idx="minor">
+            <a:schemeClr val="lt1"/>
+          </a:fontRef>
+        </p:style>
+        <p:txBody>
+          <a:bodyPr rtlCol="0" anchor="ctr"/>
+          <a:lstStyle/>
+          <a:p>
+            <a:pPr algn="ctr"/>
+            <a:endParaRPr lang="en-US" dirty="0"/>
+          </a:p>
+        </p:txBody>
+      </p:sp>
+      <p:sp>
+        <p:nvSpPr>
+          <p:cNvPr id="17" name="Right Arrow 16">
+            <a:extLst>
+              <a:ext uri="{FF2B5EF4-FFF2-40B4-BE49-F238E27FC236}">
+                <a16:creationId xmlns:a16="http://schemas.microsoft.com/office/drawing/2014/main" id="{C4DAEE33-3376-D70A-1EE3-CEA3EB71D23C}"/>
+              </a:ext>
+            </a:extLst>
+          </p:cNvPr>
+          <p:cNvSpPr/>
+          <p:nvPr/>
+        </p:nvSpPr>
+        <p:spPr>
+          <a:xfrm rot="16200000">
+            <a:off x="1820739" y="2118215"/>
+            <a:ext cx="430826" cy="203689"/>
+          </a:xfrm>
+          <a:prstGeom prst="rightArrow">
+            <a:avLst/>
+          </a:prstGeom>
+        </p:spPr>
+        <p:style>
+          <a:lnRef idx="1">
+            <a:schemeClr val="accent1"/>
+          </a:lnRef>
+          <a:fillRef idx="3">
+            <a:schemeClr val="accent1"/>
+          </a:fillRef>
+          <a:effectRef idx="2">
+            <a:schemeClr val="accent1"/>
+          </a:effectRef>
+          <a:fontRef idx="minor">
+            <a:schemeClr val="lt1"/>
+          </a:fontRef>
+        </p:style>
+        <p:txBody>
+          <a:bodyPr rtlCol="0" anchor="ctr"/>
+          <a:lstStyle/>
+          <a:p>
+            <a:pPr algn="ctr"/>
+            <a:endParaRPr lang="en-US"/>
+          </a:p>
+        </p:txBody>
+      </p:sp>
+      <p:sp>
+        <p:nvSpPr>
+          <p:cNvPr id="18" name="Right Arrow 17">
+            <a:extLst>
+              <a:ext uri="{FF2B5EF4-FFF2-40B4-BE49-F238E27FC236}">
+                <a16:creationId xmlns:a16="http://schemas.microsoft.com/office/drawing/2014/main" id="{2DA47BE6-5863-2D67-4059-752F0781DCCF}"/>
+              </a:ext>
+            </a:extLst>
+          </p:cNvPr>
+          <p:cNvSpPr/>
+          <p:nvPr/>
+        </p:nvSpPr>
+        <p:spPr>
+          <a:xfrm rot="16200000">
+            <a:off x="6369297" y="2118216"/>
+            <a:ext cx="430826" cy="203689"/>
+          </a:xfrm>
+          <a:prstGeom prst="rightArrow">
+            <a:avLst/>
+          </a:prstGeom>
+        </p:spPr>
+        <p:style>
+          <a:lnRef idx="1">
+            <a:schemeClr val="accent1"/>
+          </a:lnRef>
+          <a:fillRef idx="3">
+            <a:schemeClr val="accent1"/>
+          </a:fillRef>
+          <a:effectRef idx="2">
+            <a:schemeClr val="accent1"/>
+          </a:effectRef>
+          <a:fontRef idx="minor">
+            <a:schemeClr val="lt1"/>
+          </a:fontRef>
+        </p:style>
+        <p:txBody>
+          <a:bodyPr rtlCol="0" anchor="ctr"/>
+          <a:lstStyle/>
+          <a:p>
+            <a:pPr algn="ctr"/>
+            <a:endParaRPr lang="en-US"/>
+          </a:p>
+        </p:txBody>
+      </p:sp>
+      <p:sp>
+        <p:nvSpPr>
+          <p:cNvPr id="20" name="TextBox 19">
+            <a:extLst>
+              <a:ext uri="{FF2B5EF4-FFF2-40B4-BE49-F238E27FC236}">
+                <a16:creationId xmlns:a16="http://schemas.microsoft.com/office/drawing/2014/main" id="{4A66AACD-BEB9-AB6B-068C-1E0E363B56EA}"/>
+              </a:ext>
+            </a:extLst>
+          </p:cNvPr>
+          <p:cNvSpPr txBox="1"/>
+          <p:nvPr/>
+        </p:nvSpPr>
+        <p:spPr>
+          <a:xfrm>
+            <a:off x="7003074" y="2103707"/>
+            <a:ext cx="1336431" cy="338554"/>
+          </a:xfrm>
+          <a:prstGeom prst="rect">
+            <a:avLst/>
+          </a:prstGeom>
+          <a:noFill/>
+        </p:spPr>
+        <p:txBody>
+          <a:bodyPr wrap="square">
+            <a:spAutoFit/>
+          </a:bodyPr>
+          <a:lstStyle/>
+          <a:p>
+            <a:r>
+              <a:rPr lang="en-GB" sz="1600" dirty="0">
+                <a:solidFill>
+                  <a:srgbClr val="000000"/>
+                </a:solidFill>
+                <a:latin typeface="Times New Roman" pitchFamily="18" charset="0"/>
+              </a:rPr>
+              <a:t>Bond breaks</a:t>
+            </a:r>
+            <a:endParaRPr lang="en-US" sz="1600" dirty="0"/>
+          </a:p>
+        </p:txBody>
+      </p:sp>
+    </p:spTree>
+    <p:extLst>
+      <p:ext uri="{BB962C8B-B14F-4D97-AF65-F5344CB8AC3E}">
+        <p14:creationId xmlns:p14="http://schemas.microsoft.com/office/powerpoint/2010/main" val="2304036752"/>
+      </p:ext>
+    </p:extLst>
+  </p:cSld>
+  <p:clrMapOvr>
+    <a:masterClrMapping/>
+  </p:clrMapOvr>
+  <p:timing>
+    <p:tnLst>
+      <p:par>
+        <p:cTn id="1" dur="indefinite" restart="never" nodeType="tmRoot">
+          <p:childTnLst>
+            <p:seq concurrent="1" nextAc="seek">
+              <p:cTn id="2" dur="indefinite" nodeType="mainSeq">
+                <p:childTnLst>
+                  <p:par>
+                    <p:cTn id="3" fill="hold">
+                      <p:stCondLst>
+                        <p:cond delay="indefinite"/>
+                      </p:stCondLst>
+                      <p:childTnLst>
+                        <p:par>
+                          <p:cTn id="4" fill="hold">
+                            <p:stCondLst>
+                              <p:cond delay="0"/>
+                            </p:stCondLst>
+                            <p:childTnLst>
+                              <p:par>
+                                <p:cTn id="5" presetID="2" presetClass="entr" presetSubtype="4" fill="hold" grpId="1" nodeType="clickEffect">
+                                  <p:stCondLst>
+                                    <p:cond delay="0"/>
+                                  </p:stCondLst>
+                                  <p:childTnLst>
+                                    <p:set>
+                                      <p:cBhvr>
+                                        <p:cTn id="6" dur="1" fill="hold">
+                                          <p:stCondLst>
+                                            <p:cond delay="0"/>
+                                          </p:stCondLst>
+                                        </p:cTn>
+                                        <p:tgtEl>
+                                          <p:spTgt spid="15"/>
+                                        </p:tgtEl>
+                                        <p:attrNameLst>
+                                          <p:attrName>style.visibility</p:attrName>
+                                        </p:attrNameLst>
+                                      </p:cBhvr>
+                                      <p:to>
+                                        <p:strVal val="visible"/>
+                                      </p:to>
+                                    </p:set>
+                                    <p:anim calcmode="lin" valueType="num">
+                                      <p:cBhvr additive="base">
+                                        <p:cTn id="7" dur="500" fill="hold"/>
+                                        <p:tgtEl>
+                                          <p:spTgt spid="15"/>
+                                        </p:tgtEl>
+                                        <p:attrNameLst>
+                                          <p:attrName>ppt_x</p:attrName>
+                                        </p:attrNameLst>
+                                      </p:cBhvr>
+                                      <p:tavLst>
+                                        <p:tav tm="0">
+                                          <p:val>
+                                            <p:strVal val="#ppt_x"/>
+                                          </p:val>
+                                        </p:tav>
+                                        <p:tav tm="100000">
+                                          <p:val>
+                                            <p:strVal val="#ppt_x"/>
+                                          </p:val>
+                                        </p:tav>
+                                      </p:tavLst>
+                                    </p:anim>
+                                    <p:anim calcmode="lin" valueType="num">
+                                      <p:cBhvr additive="base">
+                                        <p:cTn id="8" dur="500" fill="hold"/>
+                                        <p:tgtEl>
+                                          <p:spTgt spid="15"/>
+                                        </p:tgtEl>
+                                        <p:attrNameLst>
+                                          <p:attrName>ppt_y</p:attrName>
+                                        </p:attrNameLst>
+                                      </p:cBhvr>
+                                      <p:tavLst>
+                                        <p:tav tm="0">
+                                          <p:val>
+                                            <p:strVal val="1+#ppt_h/2"/>
+                                          </p:val>
+                                        </p:tav>
+                                        <p:tav tm="100000">
+                                          <p:val>
+                                            <p:strVal val="#ppt_y"/>
+                                          </p:val>
+                                        </p:tav>
+                                      </p:tavLst>
+                                    </p:anim>
+                                  </p:childTnLst>
+                                </p:cTn>
+                              </p:par>
+                              <p:par>
+                                <p:cTn id="9" presetID="2" presetClass="entr" presetSubtype="4" fill="hold" grpId="0" nodeType="withEffect">
+                                  <p:stCondLst>
+                                    <p:cond delay="0"/>
+                                  </p:stCondLst>
+                                  <p:childTnLst>
+                                    <p:set>
+                                      <p:cBhvr>
+                                        <p:cTn id="10" dur="1" fill="hold">
+                                          <p:stCondLst>
+                                            <p:cond delay="0"/>
+                                          </p:stCondLst>
+                                        </p:cTn>
+                                        <p:tgtEl>
+                                          <p:spTgt spid="17"/>
+                                        </p:tgtEl>
+                                        <p:attrNameLst>
+                                          <p:attrName>style.visibility</p:attrName>
+                                        </p:attrNameLst>
+                                      </p:cBhvr>
+                                      <p:to>
+                                        <p:strVal val="visible"/>
+                                      </p:to>
+                                    </p:set>
+                                    <p:anim calcmode="lin" valueType="num">
+                                      <p:cBhvr additive="base">
+                                        <p:cTn id="11" dur="500" fill="hold"/>
+                                        <p:tgtEl>
+                                          <p:spTgt spid="17"/>
+                                        </p:tgtEl>
+                                        <p:attrNameLst>
+                                          <p:attrName>ppt_x</p:attrName>
+                                        </p:attrNameLst>
+                                      </p:cBhvr>
+                                      <p:tavLst>
+                                        <p:tav tm="0">
+                                          <p:val>
+                                            <p:strVal val="#ppt_x"/>
+                                          </p:val>
+                                        </p:tav>
+                                        <p:tav tm="100000">
+                                          <p:val>
+                                            <p:strVal val="#ppt_x"/>
+                                          </p:val>
+                                        </p:tav>
+                                      </p:tavLst>
+                                    </p:anim>
+                                    <p:anim calcmode="lin" valueType="num">
+                                      <p:cBhvr additive="base">
+                                        <p:cTn id="12" dur="500" fill="hold"/>
+                                        <p:tgtEl>
+                                          <p:spTgt spid="17"/>
+                                        </p:tgtEl>
+                                        <p:attrNameLst>
+                                          <p:attrName>ppt_y</p:attrName>
+                                        </p:attrNameLst>
+                                      </p:cBhvr>
+                                      <p:tavLst>
+                                        <p:tav tm="0">
+                                          <p:val>
+                                            <p:strVal val="1+#ppt_h/2"/>
+                                          </p:val>
+                                        </p:tav>
+                                        <p:tav tm="100000">
+                                          <p:val>
+                                            <p:strVal val="#ppt_y"/>
+                                          </p:val>
+                                        </p:tav>
+                                      </p:tavLst>
+                                    </p:anim>
+                                  </p:childTnLst>
+                                </p:cTn>
+                              </p:par>
+                              <p:par>
+                                <p:cTn id="13" presetID="2" presetClass="entr" presetSubtype="4" fill="hold" grpId="1" nodeType="withEffect">
+                                  <p:stCondLst>
+                                    <p:cond delay="0"/>
+                                  </p:stCondLst>
+                                  <p:childTnLst>
+                                    <p:set>
+                                      <p:cBhvr>
+                                        <p:cTn id="14" dur="1" fill="hold">
+                                          <p:stCondLst>
+                                            <p:cond delay="0"/>
+                                          </p:stCondLst>
+                                        </p:cTn>
+                                        <p:tgtEl>
+                                          <p:spTgt spid="16"/>
+                                        </p:tgtEl>
+                                        <p:attrNameLst>
+                                          <p:attrName>style.visibility</p:attrName>
+                                        </p:attrNameLst>
+                                      </p:cBhvr>
+                                      <p:to>
+                                        <p:strVal val="visible"/>
+                                      </p:to>
+                                    </p:set>
+                                    <p:anim calcmode="lin" valueType="num">
+                                      <p:cBhvr additive="base">
+                                        <p:cTn id="15" dur="500" fill="hold"/>
+                                        <p:tgtEl>
+                                          <p:spTgt spid="16"/>
+                                        </p:tgtEl>
+                                        <p:attrNameLst>
+                                          <p:attrName>ppt_x</p:attrName>
+                                        </p:attrNameLst>
+                                      </p:cBhvr>
+                                      <p:tavLst>
+                                        <p:tav tm="0">
+                                          <p:val>
+                                            <p:strVal val="#ppt_x"/>
+                                          </p:val>
+                                        </p:tav>
+                                        <p:tav tm="100000">
+                                          <p:val>
+                                            <p:strVal val="#ppt_x"/>
+                                          </p:val>
+                                        </p:tav>
+                                      </p:tavLst>
+                                    </p:anim>
+                                    <p:anim calcmode="lin" valueType="num">
+                                      <p:cBhvr additive="base">
+                                        <p:cTn id="16" dur="500" fill="hold"/>
+                                        <p:tgtEl>
+                                          <p:spTgt spid="16"/>
+                                        </p:tgtEl>
+                                        <p:attrNameLst>
+                                          <p:attrName>ppt_y</p:attrName>
+                                        </p:attrNameLst>
+                                      </p:cBhvr>
+                                      <p:tavLst>
+                                        <p:tav tm="0">
+                                          <p:val>
+                                            <p:strVal val="1+#ppt_h/2"/>
+                                          </p:val>
+                                        </p:tav>
+                                        <p:tav tm="100000">
+                                          <p:val>
+                                            <p:strVal val="#ppt_y"/>
+                                          </p:val>
+                                        </p:tav>
+                                      </p:tavLst>
+                                    </p:anim>
+                                  </p:childTnLst>
+                                </p:cTn>
+                              </p:par>
+                              <p:par>
+                                <p:cTn id="17" presetID="2" presetClass="entr" presetSubtype="4" fill="hold" grpId="0" nodeType="withEffect">
+                                  <p:stCondLst>
+                                    <p:cond delay="0"/>
+                                  </p:stCondLst>
+                                  <p:childTnLst>
+                                    <p:set>
+                                      <p:cBhvr>
+                                        <p:cTn id="18" dur="1" fill="hold">
+                                          <p:stCondLst>
+                                            <p:cond delay="0"/>
+                                          </p:stCondLst>
+                                        </p:cTn>
+                                        <p:tgtEl>
+                                          <p:spTgt spid="18"/>
+                                        </p:tgtEl>
+                                        <p:attrNameLst>
+                                          <p:attrName>style.visibility</p:attrName>
+                                        </p:attrNameLst>
+                                      </p:cBhvr>
+                                      <p:to>
+                                        <p:strVal val="visible"/>
+                                      </p:to>
+                                    </p:set>
+                                    <p:anim calcmode="lin" valueType="num">
+                                      <p:cBhvr additive="base">
+                                        <p:cTn id="19" dur="500" fill="hold"/>
+                                        <p:tgtEl>
+                                          <p:spTgt spid="18"/>
+                                        </p:tgtEl>
+                                        <p:attrNameLst>
+                                          <p:attrName>ppt_x</p:attrName>
+                                        </p:attrNameLst>
+                                      </p:cBhvr>
+                                      <p:tavLst>
+                                        <p:tav tm="0">
+                                          <p:val>
+                                            <p:strVal val="#ppt_x"/>
+                                          </p:val>
+                                        </p:tav>
+                                        <p:tav tm="100000">
+                                          <p:val>
+                                            <p:strVal val="#ppt_x"/>
+                                          </p:val>
+                                        </p:tav>
+                                      </p:tavLst>
+                                    </p:anim>
+                                    <p:anim calcmode="lin" valueType="num">
+                                      <p:cBhvr additive="base">
+                                        <p:cTn id="20" dur="500" fill="hold"/>
+                                        <p:tgtEl>
+                                          <p:spTgt spid="18"/>
+                                        </p:tgtEl>
+                                        <p:attrNameLst>
+                                          <p:attrName>ppt_y</p:attrName>
+                                        </p:attrNameLst>
+                                      </p:cBhvr>
+                                      <p:tavLst>
+                                        <p:tav tm="0">
+                                          <p:val>
+                                            <p:strVal val="1+#ppt_h/2"/>
+                                          </p:val>
+                                        </p:tav>
+                                        <p:tav tm="100000">
+                                          <p:val>
+                                            <p:strVal val="#ppt_y"/>
+                                          </p:val>
+                                        </p:tav>
+                                      </p:tavLst>
+                                    </p:anim>
+                                  </p:childTnLst>
+                                </p:cTn>
+                              </p:par>
+                              <p:par>
+                                <p:cTn id="21" presetID="2" presetClass="entr" presetSubtype="4" fill="hold" nodeType="withEffect">
+                                  <p:stCondLst>
+                                    <p:cond delay="0"/>
+                                  </p:stCondLst>
+                                  <p:childTnLst>
+                                    <p:set>
+                                      <p:cBhvr>
+                                        <p:cTn id="22" dur="1" fill="hold">
+                                          <p:stCondLst>
+                                            <p:cond delay="0"/>
+                                          </p:stCondLst>
+                                        </p:cTn>
+                                        <p:tgtEl>
+                                          <p:spTgt spid="11"/>
+                                        </p:tgtEl>
+                                        <p:attrNameLst>
+                                          <p:attrName>style.visibility</p:attrName>
+                                        </p:attrNameLst>
+                                      </p:cBhvr>
+                                      <p:to>
+                                        <p:strVal val="visible"/>
+                                      </p:to>
+                                    </p:set>
+                                    <p:anim calcmode="lin" valueType="num">
+                                      <p:cBhvr additive="base">
+                                        <p:cTn id="23" dur="500" fill="hold"/>
+                                        <p:tgtEl>
+                                          <p:spTgt spid="11"/>
+                                        </p:tgtEl>
+                                        <p:attrNameLst>
+                                          <p:attrName>ppt_x</p:attrName>
+                                        </p:attrNameLst>
+                                      </p:cBhvr>
+                                      <p:tavLst>
+                                        <p:tav tm="0">
+                                          <p:val>
+                                            <p:strVal val="#ppt_x"/>
+                                          </p:val>
+                                        </p:tav>
+                                        <p:tav tm="100000">
+                                          <p:val>
+                                            <p:strVal val="#ppt_x"/>
+                                          </p:val>
+                                        </p:tav>
+                                      </p:tavLst>
+                                    </p:anim>
+                                    <p:anim calcmode="lin" valueType="num">
+                                      <p:cBhvr additive="base">
+                                        <p:cTn id="24" dur="500" fill="hold"/>
+                                        <p:tgtEl>
+                                          <p:spTgt spid="11"/>
+                                        </p:tgtEl>
+                                        <p:attrNameLst>
+                                          <p:attrName>ppt_y</p:attrName>
+                                        </p:attrNameLst>
+                                      </p:cBhvr>
+                                      <p:tavLst>
+                                        <p:tav tm="0">
+                                          <p:val>
+                                            <p:strVal val="1+#ppt_h/2"/>
+                                          </p:val>
+                                        </p:tav>
+                                        <p:tav tm="100000">
+                                          <p:val>
+                                            <p:strVal val="#ppt_y"/>
+                                          </p:val>
+                                        </p:tav>
+                                      </p:tavLst>
+                                    </p:anim>
+                                  </p:childTnLst>
+                                </p:cTn>
+                              </p:par>
+                              <p:par>
+                                <p:cTn id="25" presetID="2" presetClass="entr" presetSubtype="4" fill="hold" nodeType="withEffect">
+                                  <p:stCondLst>
+                                    <p:cond delay="0"/>
+                                  </p:stCondLst>
+                                  <p:childTnLst>
+                                    <p:set>
+                                      <p:cBhvr>
+                                        <p:cTn id="26" dur="1" fill="hold">
+                                          <p:stCondLst>
+                                            <p:cond delay="0"/>
+                                          </p:stCondLst>
+                                        </p:cTn>
+                                        <p:tgtEl>
+                                          <p:spTgt spid="6"/>
+                                        </p:tgtEl>
+                                        <p:attrNameLst>
+                                          <p:attrName>style.visibility</p:attrName>
+                                        </p:attrNameLst>
+                                      </p:cBhvr>
+                                      <p:to>
+                                        <p:strVal val="visible"/>
+                                      </p:to>
+                                    </p:set>
+                                    <p:anim calcmode="lin" valueType="num">
+                                      <p:cBhvr additive="base">
+                                        <p:cTn id="27" dur="500" fill="hold"/>
+                                        <p:tgtEl>
+                                          <p:spTgt spid="6"/>
+                                        </p:tgtEl>
+                                        <p:attrNameLst>
+                                          <p:attrName>ppt_x</p:attrName>
+                                        </p:attrNameLst>
+                                      </p:cBhvr>
+                                      <p:tavLst>
+                                        <p:tav tm="0">
+                                          <p:val>
+                                            <p:strVal val="#ppt_x"/>
+                                          </p:val>
+                                        </p:tav>
+                                        <p:tav tm="100000">
+                                          <p:val>
+                                            <p:strVal val="#ppt_x"/>
+                                          </p:val>
+                                        </p:tav>
+                                      </p:tavLst>
+                                    </p:anim>
+                                    <p:anim calcmode="lin" valueType="num">
+                                      <p:cBhvr additive="base">
+                                        <p:cTn id="28" dur="500" fill="hold"/>
+                                        <p:tgtEl>
+                                          <p:spTgt spid="6"/>
+                                        </p:tgtEl>
+                                        <p:attrNameLst>
+                                          <p:attrName>ppt_y</p:attrName>
+                                        </p:attrNameLst>
+                                      </p:cBhvr>
+                                      <p:tavLst>
+                                        <p:tav tm="0">
+                                          <p:val>
+                                            <p:strVal val="1+#ppt_h/2"/>
+                                          </p:val>
+                                        </p:tav>
+                                        <p:tav tm="100000">
+                                          <p:val>
+                                            <p:strVal val="#ppt_y"/>
+                                          </p:val>
+                                        </p:tav>
+                                      </p:tavLst>
+                                    </p:anim>
+                                  </p:childTnLst>
+                                </p:cTn>
+                              </p:par>
+                            </p:childTnLst>
+                          </p:cTn>
+                        </p:par>
+                      </p:childTnLst>
+                    </p:cTn>
+                  </p:par>
+                </p:childTnLst>
+              </p:cTn>
+              <p:prevCondLst>
+                <p:cond evt="onPrev" delay="0">
+                  <p:tgtEl>
+                    <p:sldTgt/>
+                  </p:tgtEl>
+                </p:cond>
+              </p:prevCondLst>
+              <p:nextCondLst>
+                <p:cond evt="onNext" delay="0">
+                  <p:tgtEl>
+                    <p:sldTgt/>
+                  </p:tgtEl>
+                </p:cond>
+              </p:nextCondLst>
+            </p:seq>
+          </p:childTnLst>
+        </p:cTn>
+      </p:par>
+    </p:tnLst>
+    <p:bldLst>
+      <p:bldP spid="15" grpId="1" animBg="1"/>
+      <p:bldP spid="16" grpId="1" animBg="1"/>
+      <p:bldP spid="17" grpId="0" animBg="1"/>
+      <p:bldP spid="18" grpId="0" animBg="1"/>
     </p:bldLst>
   </p:timing>
 </p:sld>
